--- a/PySQL_Intro.pptx
+++ b/PySQL_Intro.pptx
@@ -4,12 +4,16 @@
   <p:sldMasterIdLst>
     <p:sldMasterId id="2147483660" r:id="rId1"/>
   </p:sldMasterIdLst>
+  <p:notesMasterIdLst>
+    <p:notesMasterId r:id="rId8"/>
+  </p:notesMasterIdLst>
   <p:sldIdLst>
     <p:sldId id="256" r:id="rId2"/>
     <p:sldId id="257" r:id="rId3"/>
     <p:sldId id="258" r:id="rId4"/>
     <p:sldId id="259" r:id="rId5"/>
     <p:sldId id="260" r:id="rId6"/>
+    <p:sldId id="261" r:id="rId7"/>
   </p:sldIdLst>
   <p:sldSz cx="9144000" cy="6858000" type="screen4x3"/>
   <p:notesSz cx="6858000" cy="9144000"/>
@@ -109,6 +113,440 @@
     </a:lvl9pPr>
   </p:defaultTextStyle>
 </p:presentation>
+</file>
+
+<file path=ppt/notesMasters/notesMaster1.xml><?xml version="1.0" encoding="utf-8"?>
+<p:notesMaster xmlns:a="http://schemas.openxmlformats.org/drawingml/2006/main" xmlns:r="http://schemas.openxmlformats.org/officeDocument/2006/relationships" xmlns:p="http://schemas.openxmlformats.org/presentationml/2006/main">
+  <p:cSld>
+    <p:bg>
+      <p:bgRef idx="1001">
+        <a:schemeClr val="bg1"/>
+      </p:bgRef>
+    </p:bg>
+    <p:spTree>
+      <p:nvGrpSpPr>
+        <p:cNvPr id="1" name=""/>
+        <p:cNvGrpSpPr/>
+        <p:nvPr/>
+      </p:nvGrpSpPr>
+      <p:grpSpPr>
+        <a:xfrm>
+          <a:off x="0" y="0"/>
+          <a:ext cx="0" cy="0"/>
+          <a:chOff x="0" y="0"/>
+          <a:chExt cx="0" cy="0"/>
+        </a:xfrm>
+      </p:grpSpPr>
+      <p:sp>
+        <p:nvSpPr>
+          <p:cNvPr id="2" name="頁首版面配置區 1"/>
+          <p:cNvSpPr>
+            <a:spLocks noGrp="1"/>
+          </p:cNvSpPr>
+          <p:nvPr>
+            <p:ph type="hdr" sz="quarter"/>
+          </p:nvPr>
+        </p:nvSpPr>
+        <p:spPr>
+          <a:xfrm>
+            <a:off x="0" y="0"/>
+            <a:ext cx="2971800" cy="457200"/>
+          </a:xfrm>
+          <a:prstGeom prst="rect">
+            <a:avLst/>
+          </a:prstGeom>
+        </p:spPr>
+        <p:txBody>
+          <a:bodyPr vert="horz" lIns="91440" tIns="45720" rIns="91440" bIns="45720" rtlCol="0"/>
+          <a:lstStyle>
+            <a:lvl1pPr algn="l">
+              <a:defRPr sz="1200"/>
+            </a:lvl1pPr>
+          </a:lstStyle>
+          <a:p>
+            <a:endParaRPr kumimoji="1" lang="zh-TW" altLang="en-US"/>
+          </a:p>
+        </p:txBody>
+      </p:sp>
+      <p:sp>
+        <p:nvSpPr>
+          <p:cNvPr id="3" name="日期版面配置區 2"/>
+          <p:cNvSpPr>
+            <a:spLocks noGrp="1"/>
+          </p:cNvSpPr>
+          <p:nvPr>
+            <p:ph type="dt" idx="1"/>
+          </p:nvPr>
+        </p:nvSpPr>
+        <p:spPr>
+          <a:xfrm>
+            <a:off x="3884613" y="0"/>
+            <a:ext cx="2971800" cy="457200"/>
+          </a:xfrm>
+          <a:prstGeom prst="rect">
+            <a:avLst/>
+          </a:prstGeom>
+        </p:spPr>
+        <p:txBody>
+          <a:bodyPr vert="horz" lIns="91440" tIns="45720" rIns="91440" bIns="45720" rtlCol="0"/>
+          <a:lstStyle>
+            <a:lvl1pPr algn="r">
+              <a:defRPr sz="1200"/>
+            </a:lvl1pPr>
+          </a:lstStyle>
+          <a:p>
+            <a:fld id="{B9637D11-CAC6-D64A-906E-21F47822F9C3}" type="datetimeFigureOut">
+              <a:rPr kumimoji="1" lang="zh-TW" altLang="en-US" smtClean="0"/>
+              <a:t>13/12/10</a:t>
+            </a:fld>
+            <a:endParaRPr kumimoji="1" lang="zh-TW" altLang="en-US"/>
+          </a:p>
+        </p:txBody>
+      </p:sp>
+      <p:sp>
+        <p:nvSpPr>
+          <p:cNvPr id="4" name="投影片影像版面配置區 3"/>
+          <p:cNvSpPr>
+            <a:spLocks noGrp="1" noRot="1" noChangeAspect="1"/>
+          </p:cNvSpPr>
+          <p:nvPr>
+            <p:ph type="sldImg" idx="2"/>
+          </p:nvPr>
+        </p:nvSpPr>
+        <p:spPr>
+          <a:xfrm>
+            <a:off x="1143000" y="685800"/>
+            <a:ext cx="4572000" cy="3429000"/>
+          </a:xfrm>
+          <a:prstGeom prst="rect">
+            <a:avLst/>
+          </a:prstGeom>
+          <a:noFill/>
+          <a:ln w="12700">
+            <a:solidFill>
+              <a:prstClr val="black"/>
+            </a:solidFill>
+          </a:ln>
+        </p:spPr>
+        <p:txBody>
+          <a:bodyPr vert="horz" lIns="91440" tIns="45720" rIns="91440" bIns="45720" rtlCol="0" anchor="ctr"/>
+          <a:lstStyle/>
+          <a:p>
+            <a:endParaRPr lang="zh-TW" altLang="en-US"/>
+          </a:p>
+        </p:txBody>
+      </p:sp>
+      <p:sp>
+        <p:nvSpPr>
+          <p:cNvPr id="5" name="備忘稿版面配置區 4"/>
+          <p:cNvSpPr>
+            <a:spLocks noGrp="1"/>
+          </p:cNvSpPr>
+          <p:nvPr>
+            <p:ph type="body" sz="quarter" idx="3"/>
+          </p:nvPr>
+        </p:nvSpPr>
+        <p:spPr>
+          <a:xfrm>
+            <a:off x="685800" y="4343400"/>
+            <a:ext cx="5486400" cy="4114800"/>
+          </a:xfrm>
+          <a:prstGeom prst="rect">
+            <a:avLst/>
+          </a:prstGeom>
+        </p:spPr>
+        <p:txBody>
+          <a:bodyPr vert="horz" lIns="91440" tIns="45720" rIns="91440" bIns="45720" rtlCol="0"/>
+          <a:lstStyle/>
+          <a:p>
+            <a:pPr lvl="0"/>
+            <a:r>
+              <a:rPr kumimoji="1" lang="zh-TW" altLang="en-US" smtClean="0"/>
+              <a:t>按一下以編輯母片文字樣式</a:t>
+            </a:r>
+          </a:p>
+          <a:p>
+            <a:pPr lvl="1"/>
+            <a:r>
+              <a:rPr kumimoji="1" lang="zh-TW" altLang="en-US" smtClean="0"/>
+              <a:t>第二層</a:t>
+            </a:r>
+          </a:p>
+          <a:p>
+            <a:pPr lvl="2"/>
+            <a:r>
+              <a:rPr kumimoji="1" lang="zh-TW" altLang="en-US" smtClean="0"/>
+              <a:t>第三層</a:t>
+            </a:r>
+          </a:p>
+          <a:p>
+            <a:pPr lvl="3"/>
+            <a:r>
+              <a:rPr kumimoji="1" lang="zh-TW" altLang="en-US" smtClean="0"/>
+              <a:t>第四層</a:t>
+            </a:r>
+          </a:p>
+          <a:p>
+            <a:pPr lvl="4"/>
+            <a:r>
+              <a:rPr kumimoji="1" lang="zh-TW" altLang="en-US" smtClean="0"/>
+              <a:t>第五層</a:t>
+            </a:r>
+            <a:endParaRPr kumimoji="1" lang="zh-TW" altLang="en-US"/>
+          </a:p>
+        </p:txBody>
+      </p:sp>
+      <p:sp>
+        <p:nvSpPr>
+          <p:cNvPr id="6" name="頁尾版面配置區 5"/>
+          <p:cNvSpPr>
+            <a:spLocks noGrp="1"/>
+          </p:cNvSpPr>
+          <p:nvPr>
+            <p:ph type="ftr" sz="quarter" idx="4"/>
+          </p:nvPr>
+        </p:nvSpPr>
+        <p:spPr>
+          <a:xfrm>
+            <a:off x="0" y="8685213"/>
+            <a:ext cx="2971800" cy="457200"/>
+          </a:xfrm>
+          <a:prstGeom prst="rect">
+            <a:avLst/>
+          </a:prstGeom>
+        </p:spPr>
+        <p:txBody>
+          <a:bodyPr vert="horz" lIns="91440" tIns="45720" rIns="91440" bIns="45720" rtlCol="0" anchor="b"/>
+          <a:lstStyle>
+            <a:lvl1pPr algn="l">
+              <a:defRPr sz="1200"/>
+            </a:lvl1pPr>
+          </a:lstStyle>
+          <a:p>
+            <a:endParaRPr kumimoji="1" lang="zh-TW" altLang="en-US"/>
+          </a:p>
+        </p:txBody>
+      </p:sp>
+      <p:sp>
+        <p:nvSpPr>
+          <p:cNvPr id="7" name="投影片編號版面配置區 6"/>
+          <p:cNvSpPr>
+            <a:spLocks noGrp="1"/>
+          </p:cNvSpPr>
+          <p:nvPr>
+            <p:ph type="sldNum" sz="quarter" idx="5"/>
+          </p:nvPr>
+        </p:nvSpPr>
+        <p:spPr>
+          <a:xfrm>
+            <a:off x="3884613" y="8685213"/>
+            <a:ext cx="2971800" cy="457200"/>
+          </a:xfrm>
+          <a:prstGeom prst="rect">
+            <a:avLst/>
+          </a:prstGeom>
+        </p:spPr>
+        <p:txBody>
+          <a:bodyPr vert="horz" lIns="91440" tIns="45720" rIns="91440" bIns="45720" rtlCol="0" anchor="b"/>
+          <a:lstStyle>
+            <a:lvl1pPr algn="r">
+              <a:defRPr sz="1200"/>
+            </a:lvl1pPr>
+          </a:lstStyle>
+          <a:p>
+            <a:fld id="{C9C2C3DE-B15D-CF4A-84A6-8683D89AA05C}" type="slidenum">
+              <a:rPr kumimoji="1" lang="zh-TW" altLang="en-US" smtClean="0"/>
+              <a:t>‹#›</a:t>
+            </a:fld>
+            <a:endParaRPr kumimoji="1" lang="zh-TW" altLang="en-US"/>
+          </a:p>
+        </p:txBody>
+      </p:sp>
+    </p:spTree>
+    <p:extLst>
+      <p:ext uri="{BB962C8B-B14F-4D97-AF65-F5344CB8AC3E}">
+        <p14:creationId xmlns:p14="http://schemas.microsoft.com/office/powerpoint/2010/main" val="185248558"/>
+      </p:ext>
+    </p:extLst>
+  </p:cSld>
+  <p:clrMap bg1="lt1" tx1="dk1" bg2="lt2" tx2="dk2" accent1="accent1" accent2="accent2" accent3="accent3" accent4="accent4" accent5="accent5" accent6="accent6" hlink="hlink" folHlink="folHlink"/>
+  <p:notesStyle>
+    <a:lvl1pPr marL="0" algn="l" defTabSz="457200" rtl="0" eaLnBrk="1" latinLnBrk="0" hangingPunct="1">
+      <a:defRPr sz="1200" kern="1200">
+        <a:solidFill>
+          <a:schemeClr val="tx1"/>
+        </a:solidFill>
+        <a:latin typeface="+mn-lt"/>
+        <a:ea typeface="+mn-ea"/>
+        <a:cs typeface="+mn-cs"/>
+      </a:defRPr>
+    </a:lvl1pPr>
+    <a:lvl2pPr marL="457200" algn="l" defTabSz="457200" rtl="0" eaLnBrk="1" latinLnBrk="0" hangingPunct="1">
+      <a:defRPr sz="1200" kern="1200">
+        <a:solidFill>
+          <a:schemeClr val="tx1"/>
+        </a:solidFill>
+        <a:latin typeface="+mn-lt"/>
+        <a:ea typeface="+mn-ea"/>
+        <a:cs typeface="+mn-cs"/>
+      </a:defRPr>
+    </a:lvl2pPr>
+    <a:lvl3pPr marL="914400" algn="l" defTabSz="457200" rtl="0" eaLnBrk="1" latinLnBrk="0" hangingPunct="1">
+      <a:defRPr sz="1200" kern="1200">
+        <a:solidFill>
+          <a:schemeClr val="tx1"/>
+        </a:solidFill>
+        <a:latin typeface="+mn-lt"/>
+        <a:ea typeface="+mn-ea"/>
+        <a:cs typeface="+mn-cs"/>
+      </a:defRPr>
+    </a:lvl3pPr>
+    <a:lvl4pPr marL="1371600" algn="l" defTabSz="457200" rtl="0" eaLnBrk="1" latinLnBrk="0" hangingPunct="1">
+      <a:defRPr sz="1200" kern="1200">
+        <a:solidFill>
+          <a:schemeClr val="tx1"/>
+        </a:solidFill>
+        <a:latin typeface="+mn-lt"/>
+        <a:ea typeface="+mn-ea"/>
+        <a:cs typeface="+mn-cs"/>
+      </a:defRPr>
+    </a:lvl4pPr>
+    <a:lvl5pPr marL="1828800" algn="l" defTabSz="457200" rtl="0" eaLnBrk="1" latinLnBrk="0" hangingPunct="1">
+      <a:defRPr sz="1200" kern="1200">
+        <a:solidFill>
+          <a:schemeClr val="tx1"/>
+        </a:solidFill>
+        <a:latin typeface="+mn-lt"/>
+        <a:ea typeface="+mn-ea"/>
+        <a:cs typeface="+mn-cs"/>
+      </a:defRPr>
+    </a:lvl5pPr>
+    <a:lvl6pPr marL="2286000" algn="l" defTabSz="457200" rtl="0" eaLnBrk="1" latinLnBrk="0" hangingPunct="1">
+      <a:defRPr sz="1200" kern="1200">
+        <a:solidFill>
+          <a:schemeClr val="tx1"/>
+        </a:solidFill>
+        <a:latin typeface="+mn-lt"/>
+        <a:ea typeface="+mn-ea"/>
+        <a:cs typeface="+mn-cs"/>
+      </a:defRPr>
+    </a:lvl6pPr>
+    <a:lvl7pPr marL="2743200" algn="l" defTabSz="457200" rtl="0" eaLnBrk="1" latinLnBrk="0" hangingPunct="1">
+      <a:defRPr sz="1200" kern="1200">
+        <a:solidFill>
+          <a:schemeClr val="tx1"/>
+        </a:solidFill>
+        <a:latin typeface="+mn-lt"/>
+        <a:ea typeface="+mn-ea"/>
+        <a:cs typeface="+mn-cs"/>
+      </a:defRPr>
+    </a:lvl7pPr>
+    <a:lvl8pPr marL="3200400" algn="l" defTabSz="457200" rtl="0" eaLnBrk="1" latinLnBrk="0" hangingPunct="1">
+      <a:defRPr sz="1200" kern="1200">
+        <a:solidFill>
+          <a:schemeClr val="tx1"/>
+        </a:solidFill>
+        <a:latin typeface="+mn-lt"/>
+        <a:ea typeface="+mn-ea"/>
+        <a:cs typeface="+mn-cs"/>
+      </a:defRPr>
+    </a:lvl8pPr>
+    <a:lvl9pPr marL="3657600" algn="l" defTabSz="457200" rtl="0" eaLnBrk="1" latinLnBrk="0" hangingPunct="1">
+      <a:defRPr sz="1200" kern="1200">
+        <a:solidFill>
+          <a:schemeClr val="tx1"/>
+        </a:solidFill>
+        <a:latin typeface="+mn-lt"/>
+        <a:ea typeface="+mn-ea"/>
+        <a:cs typeface="+mn-cs"/>
+      </a:defRPr>
+    </a:lvl9pPr>
+  </p:notesStyle>
+</p:notesMaster>
+</file>
+
+<file path=ppt/notesSlides/notesSlide1.xml><?xml version="1.0" encoding="utf-8"?>
+<p:notes xmlns:a="http://schemas.openxmlformats.org/drawingml/2006/main" xmlns:r="http://schemas.openxmlformats.org/officeDocument/2006/relationships" xmlns:p="http://schemas.openxmlformats.org/presentationml/2006/main">
+  <p:cSld>
+    <p:spTree>
+      <p:nvGrpSpPr>
+        <p:cNvPr id="1" name=""/>
+        <p:cNvGrpSpPr/>
+        <p:nvPr/>
+      </p:nvGrpSpPr>
+      <p:grpSpPr>
+        <a:xfrm>
+          <a:off x="0" y="0"/>
+          <a:ext cx="0" cy="0"/>
+          <a:chOff x="0" y="0"/>
+          <a:chExt cx="0" cy="0"/>
+        </a:xfrm>
+      </p:grpSpPr>
+      <p:sp>
+        <p:nvSpPr>
+          <p:cNvPr id="2" name="投影片影像版面配置區 1"/>
+          <p:cNvSpPr>
+            <a:spLocks noGrp="1" noRot="1" noChangeAspect="1"/>
+          </p:cNvSpPr>
+          <p:nvPr>
+            <p:ph type="sldImg"/>
+          </p:nvPr>
+        </p:nvSpPr>
+        <p:spPr/>
+      </p:sp>
+      <p:sp>
+        <p:nvSpPr>
+          <p:cNvPr id="3" name="備忘稿版面配置區 2"/>
+          <p:cNvSpPr>
+            <a:spLocks noGrp="1"/>
+          </p:cNvSpPr>
+          <p:nvPr>
+            <p:ph type="body" idx="1"/>
+          </p:nvPr>
+        </p:nvSpPr>
+        <p:spPr/>
+        <p:txBody>
+          <a:bodyPr/>
+          <a:lstStyle/>
+          <a:p>
+            <a:endParaRPr kumimoji="1" lang="zh-TW" altLang="en-US" dirty="0"/>
+          </a:p>
+        </p:txBody>
+      </p:sp>
+      <p:sp>
+        <p:nvSpPr>
+          <p:cNvPr id="4" name="投影片編號版面配置區 3"/>
+          <p:cNvSpPr>
+            <a:spLocks noGrp="1"/>
+          </p:cNvSpPr>
+          <p:nvPr>
+            <p:ph type="sldNum" sz="quarter" idx="10"/>
+          </p:nvPr>
+        </p:nvSpPr>
+        <p:spPr/>
+        <p:txBody>
+          <a:bodyPr/>
+          <a:lstStyle/>
+          <a:p>
+            <a:fld id="{C9C2C3DE-B15D-CF4A-84A6-8683D89AA05C}" type="slidenum">
+              <a:rPr kumimoji="1" lang="zh-TW" altLang="en-US" smtClean="0"/>
+              <a:t>1</a:t>
+            </a:fld>
+            <a:endParaRPr kumimoji="1" lang="zh-TW" altLang="en-US"/>
+          </a:p>
+        </p:txBody>
+      </p:sp>
+    </p:spTree>
+    <p:extLst>
+      <p:ext uri="{BB962C8B-B14F-4D97-AF65-F5344CB8AC3E}">
+        <p14:creationId xmlns:p14="http://schemas.microsoft.com/office/powerpoint/2010/main" val="3237466721"/>
+      </p:ext>
+    </p:extLst>
+  </p:cSld>
+  <p:clrMapOvr>
+    <a:masterClrMapping/>
+  </p:clrMapOvr>
+</p:notes>
 </file>
 
 <file path=ppt/slideLayouts/slideLayout1.xml><?xml version="1.0" encoding="utf-8"?>
@@ -7986,7 +8424,7 @@
         </p:nvSpPr>
         <p:spPr>
           <a:xfrm>
-            <a:off x="4651248" y="1344751"/>
+            <a:off x="4651248" y="1643535"/>
             <a:ext cx="3273552" cy="1640541"/>
           </a:xfrm>
         </p:spPr>
@@ -7998,7 +8436,22 @@
               <a:rPr kumimoji="1" lang="en-US" altLang="zh-TW" dirty="0" err="1" smtClean="0"/>
               <a:t>PySQL</a:t>
             </a:r>
-            <a:endParaRPr kumimoji="1" lang="zh-TW" altLang="en-US" dirty="0"/>
+            <a:r>
+              <a:rPr kumimoji="1" lang="en-US" altLang="zh-TW" dirty="0" smtClean="0"/>
+              <a:t/>
+            </a:r>
+            <a:br>
+              <a:rPr kumimoji="1" lang="en-US" altLang="zh-TW" dirty="0" smtClean="0"/>
+            </a:br>
+            <a:r>
+              <a:rPr kumimoji="1" lang="en-US" altLang="zh-TW" dirty="0" smtClean="0"/>
+              <a:t>--</a:t>
+            </a:r>
+            <a:r>
+              <a:rPr kumimoji="1" lang="en-US" altLang="zh-TW" sz="2000" dirty="0" smtClean="0"/>
+              <a:t>DBMS HW1--</a:t>
+            </a:r>
+            <a:endParaRPr kumimoji="1" lang="zh-TW" altLang="en-US" sz="2000" dirty="0"/>
           </a:p>
         </p:txBody>
       </p:sp>
@@ -8053,6 +8506,13 @@
   <p:clrMapOvr>
     <a:masterClrMapping/>
   </p:clrMapOvr>
+  <p:timing>
+    <p:tnLst>
+      <p:par>
+        <p:cTn xmlns:p14="http://schemas.microsoft.com/office/powerpoint/2010/main" id="1" dur="indefinite" restart="never" nodeType="tmRoot"/>
+      </p:par>
+    </p:tnLst>
+  </p:timing>
 </p:sld>
 </file>
 
@@ -8169,6 +8629,13 @@
   <p:clrMapOvr>
     <a:masterClrMapping/>
   </p:clrMapOvr>
+  <p:timing>
+    <p:tnLst>
+      <p:par>
+        <p:cTn xmlns:p14="http://schemas.microsoft.com/office/powerpoint/2010/main" id="1" dur="indefinite" restart="never" nodeType="tmRoot"/>
+      </p:par>
+    </p:tnLst>
+  </p:timing>
 </p:sld>
 </file>
 
@@ -8225,8 +8692,8 @@
         </p:nvSpPr>
         <p:spPr>
           <a:xfrm>
-            <a:off x="3429000" y="2331608"/>
-            <a:ext cx="4946602" cy="4105275"/>
+            <a:off x="2906085" y="2331608"/>
+            <a:ext cx="5715000" cy="4105275"/>
           </a:xfrm>
         </p:spPr>
         <p:txBody>
@@ -8281,6 +8748,15 @@
                 <a:cs typeface="Helvetica"/>
               </a:rPr>
               <a:t> -&gt; Interpreter -&gt; Module </a:t>
+            </a:r>
+          </a:p>
+          <a:p>
+            <a:r>
+              <a:rPr kumimoji="1" lang="en-US" altLang="zh-TW" sz="2400" b="1" dirty="0" smtClean="0">
+                <a:latin typeface="Helvetica"/>
+                <a:cs typeface="Helvetica"/>
+              </a:rPr>
+              <a:t>DB -&gt; Relation -&gt; Table -&gt; Record</a:t>
             </a:r>
             <a:endParaRPr kumimoji="1" lang="zh-TW" altLang="en-US" sz="2400" b="1" dirty="0">
               <a:latin typeface="Helvetica"/>
@@ -8299,6 +8775,13 @@
   <p:clrMapOvr>
     <a:masterClrMapping/>
   </p:clrMapOvr>
+  <p:timing>
+    <p:tnLst>
+      <p:par>
+        <p:cTn xmlns:p14="http://schemas.microsoft.com/office/powerpoint/2010/main" id="1" dur="indefinite" restart="never" nodeType="tmRoot"/>
+      </p:par>
+    </p:tnLst>
+  </p:timing>
 </p:sld>
 </file>
 
@@ -8353,9 +8836,16 @@
             <p:ph idx="1"/>
           </p:nvPr>
         </p:nvSpPr>
-        <p:spPr/>
-        <p:txBody>
-          <a:bodyPr/>
+        <p:spPr>
+          <a:xfrm>
+            <a:off x="2619375" y="2020888"/>
+            <a:ext cx="6524625" cy="4105275"/>
+          </a:xfrm>
+        </p:spPr>
+        <p:txBody>
+          <a:bodyPr>
+            <a:normAutofit/>
+          </a:bodyPr>
           <a:lstStyle/>
           <a:p>
             <a:r>
@@ -8363,19 +8853,8 @@
                 <a:latin typeface="Helvetica"/>
                 <a:cs typeface="Helvetica"/>
               </a:rPr>
-              <a:t>help: all </a:t>
-            </a:r>
-            <a:r>
-              <a:rPr kumimoji="1" lang="en-US" altLang="zh-TW" sz="2400" b="1" dirty="0" err="1" smtClean="0">
-                <a:latin typeface="Helvetica"/>
-                <a:cs typeface="Helvetica"/>
-              </a:rPr>
-              <a:t>args</a:t>
-            </a:r>
-            <a:endParaRPr kumimoji="1" lang="en-US" altLang="zh-TW" sz="2400" b="1" dirty="0" smtClean="0">
-              <a:latin typeface="Helvetica"/>
-              <a:cs typeface="Helvetica"/>
-            </a:endParaRPr>
+              <a:t>help: show all commands</a:t>
+            </a:r>
           </a:p>
           <a:p>
             <a:r>
@@ -8406,7 +8885,7 @@
                 <a:latin typeface="Helvetica"/>
                 <a:cs typeface="Helvetica"/>
               </a:rPr>
-              <a:t>how: show all databases</a:t>
+              <a:t>how: show all databases / tables</a:t>
             </a:r>
           </a:p>
           <a:p>
@@ -8469,6 +8948,40 @@
                 <a:cs typeface="Helvetica"/>
               </a:rPr>
               <a:t>PySQL</a:t>
+            </a:r>
+            <a:endParaRPr kumimoji="1" lang="en-US" altLang="zh-TW" sz="2400" b="1" dirty="0" smtClean="0">
+              <a:latin typeface="Helvetica"/>
+              <a:cs typeface="Helvetica"/>
+            </a:endParaRPr>
+          </a:p>
+          <a:p>
+            <a:r>
+              <a:rPr kumimoji="1" lang="en-US" altLang="zh-TW" sz="2400" b="1" dirty="0" smtClean="0">
+                <a:latin typeface="Helvetica"/>
+                <a:cs typeface="Helvetica"/>
+              </a:rPr>
+              <a:t>Other command</a:t>
+            </a:r>
+            <a:r>
+              <a:rPr kumimoji="1" lang="en-US" altLang="zh-TW" sz="2400" b="1" dirty="0">
+                <a:latin typeface="Helvetica"/>
+                <a:cs typeface="Helvetica"/>
+              </a:rPr>
+              <a:t>: ‘*** Unknown syntax</a:t>
+            </a:r>
+            <a:r>
+              <a:rPr kumimoji="1" lang="en-US" altLang="zh-TW" sz="2400" b="1">
+                <a:latin typeface="Helvetica"/>
+                <a:cs typeface="Helvetica"/>
+              </a:rPr>
+              <a:t>: </a:t>
+            </a:r>
+            <a:r>
+              <a:rPr kumimoji="1" lang="en-US" altLang="zh-TW" sz="2400" b="1" smtClean="0">
+                <a:latin typeface="Helvetica"/>
+                <a:cs typeface="Helvetica"/>
+              </a:rPr>
+              <a:t>’</a:t>
             </a:r>
             <a:endParaRPr kumimoji="1" lang="en-US" altLang="zh-TW" sz="2400" b="1" dirty="0" smtClean="0">
               <a:latin typeface="Helvetica"/>
@@ -8490,6 +9003,13 @@
   <p:clrMapOvr>
     <a:masterClrMapping/>
   </p:clrMapOvr>
+  <p:timing>
+    <p:tnLst>
+      <p:par>
+        <p:cTn xmlns:p14="http://schemas.microsoft.com/office/powerpoint/2010/main" id="1" dur="indefinite" restart="never" nodeType="tmRoot"/>
+      </p:par>
+    </p:tnLst>
+  </p:timing>
 </p:sld>
 </file>
 
@@ -8620,7 +9140,7 @@
                 <a:latin typeface="Helvetica"/>
                 <a:cs typeface="Helvetica"/>
               </a:rPr>
-              <a:t>select: multiple column &amp; spaces &amp; *  &amp; &gt;=, &lt;=  are        	 	   supported</a:t>
+              <a:t>select: multiple column, spaces, * , &gt;= &amp; &lt;=  are        	   	   supported</a:t>
             </a:r>
           </a:p>
           <a:p>
@@ -8671,6 +9191,156 @@
   <p:clrMapOvr>
     <a:masterClrMapping/>
   </p:clrMapOvr>
+  <p:timing>
+    <p:tnLst>
+      <p:par>
+        <p:cTn xmlns:p14="http://schemas.microsoft.com/office/powerpoint/2010/main" id="1" dur="indefinite" restart="never" nodeType="tmRoot"/>
+      </p:par>
+    </p:tnLst>
+  </p:timing>
+</p:sld>
+</file>
+
+<file path=ppt/slides/slide6.xml><?xml version="1.0" encoding="utf-8"?>
+<p:sld xmlns:a="http://schemas.openxmlformats.org/drawingml/2006/main" xmlns:r="http://schemas.openxmlformats.org/officeDocument/2006/relationships" xmlns:p="http://schemas.openxmlformats.org/presentationml/2006/main">
+  <p:cSld>
+    <p:spTree>
+      <p:nvGrpSpPr>
+        <p:cNvPr id="1" name=""/>
+        <p:cNvGrpSpPr/>
+        <p:nvPr/>
+      </p:nvGrpSpPr>
+      <p:grpSpPr>
+        <a:xfrm>
+          <a:off x="0" y="0"/>
+          <a:ext cx="0" cy="0"/>
+          <a:chOff x="0" y="0"/>
+          <a:chExt cx="0" cy="0"/>
+        </a:xfrm>
+      </p:grpSpPr>
+      <p:pic>
+        <p:nvPicPr>
+          <p:cNvPr id="5" name="圖片 4"/>
+          <p:cNvPicPr>
+            <a:picLocks noChangeAspect="1"/>
+          </p:cNvPicPr>
+          <p:nvPr/>
+        </p:nvPicPr>
+        <p:blipFill>
+          <a:blip r:embed="rId2"/>
+          <a:stretch>
+            <a:fillRect/>
+          </a:stretch>
+        </p:blipFill>
+        <p:spPr>
+          <a:xfrm>
+            <a:off x="2241062" y="0"/>
+            <a:ext cx="6902938" cy="2331608"/>
+          </a:xfrm>
+          <a:prstGeom prst="rect">
+            <a:avLst/>
+          </a:prstGeom>
+        </p:spPr>
+      </p:pic>
+      <p:sp>
+        <p:nvSpPr>
+          <p:cNvPr id="2" name="內容版面配置區 1"/>
+          <p:cNvSpPr>
+            <a:spLocks noGrp="1"/>
+          </p:cNvSpPr>
+          <p:nvPr>
+            <p:ph idx="1"/>
+          </p:nvPr>
+        </p:nvSpPr>
+        <p:spPr>
+          <a:xfrm>
+            <a:off x="1792847" y="2020888"/>
+            <a:ext cx="7544909" cy="4514987"/>
+          </a:xfrm>
+        </p:spPr>
+        <p:txBody>
+          <a:bodyPr>
+            <a:normAutofit/>
+          </a:bodyPr>
+          <a:lstStyle/>
+          <a:p>
+            <a:pPr marL="0" indent="0">
+              <a:buNone/>
+            </a:pPr>
+            <a:r>
+              <a:rPr kumimoji="1" lang="en-US" altLang="zh-TW" sz="2800" b="1" dirty="0" smtClean="0"/>
+              <a:t>Future Work:</a:t>
+            </a:r>
+          </a:p>
+          <a:p>
+            <a:r>
+              <a:rPr kumimoji="1" lang="en-US" altLang="zh-TW" sz="2000" b="1" dirty="0" smtClean="0">
+                <a:latin typeface="Helvetica"/>
+                <a:ea typeface="Apple LiGothic Medium"/>
+                <a:cs typeface="Helvetica"/>
+              </a:rPr>
+              <a:t>UI</a:t>
+            </a:r>
+          </a:p>
+          <a:p>
+            <a:r>
+              <a:rPr kumimoji="1" lang="en-US" altLang="zh-TW" sz="2000" b="1" dirty="0" smtClean="0">
+                <a:latin typeface="Helvetica"/>
+                <a:ea typeface="Apple LiGothic Medium"/>
+                <a:cs typeface="Helvetica"/>
+              </a:rPr>
+              <a:t>Select Nest Construct </a:t>
+            </a:r>
+          </a:p>
+          <a:p>
+            <a:r>
+              <a:rPr kumimoji="1" lang="en-US" altLang="zh-TW" sz="2000" b="1" dirty="0" smtClean="0">
+                <a:latin typeface="Helvetica"/>
+                <a:ea typeface="Apple LiGothic Medium"/>
+                <a:cs typeface="Helvetica"/>
+              </a:rPr>
+              <a:t>Flow Chart</a:t>
+            </a:r>
+          </a:p>
+          <a:p>
+            <a:r>
+              <a:rPr kumimoji="1" lang="en-US" altLang="zh-TW" sz="2000" b="1" dirty="0" smtClean="0">
+                <a:latin typeface="Helvetica"/>
+                <a:ea typeface="Apple LiGothic Medium"/>
+                <a:cs typeface="Helvetica"/>
+              </a:rPr>
+              <a:t>More debug info</a:t>
+            </a:r>
+          </a:p>
+          <a:p>
+            <a:pPr marL="0" indent="0">
+              <a:buNone/>
+            </a:pPr>
+            <a:endParaRPr kumimoji="1" lang="zh-TW" altLang="en-US" sz="2000" b="1" dirty="0">
+              <a:latin typeface="Helvetica"/>
+              <a:ea typeface="Apple LiGothic Medium"/>
+              <a:cs typeface="Helvetica"/>
+            </a:endParaRPr>
+          </a:p>
+        </p:txBody>
+      </p:sp>
+    </p:spTree>
+    <p:extLst>
+      <p:ext uri="{BB962C8B-B14F-4D97-AF65-F5344CB8AC3E}">
+        <p14:creationId xmlns:p14="http://schemas.microsoft.com/office/powerpoint/2010/main" val="3950073511"/>
+      </p:ext>
+    </p:extLst>
+  </p:cSld>
+  <p:clrMapOvr>
+    <a:masterClrMapping/>
+  </p:clrMapOvr>
+  <p:timing>
+    <p:tnLst>
+      <p:par>
+        <p:cTn xmlns:p14="http://schemas.microsoft.com/office/powerpoint/2010/main" id="1" dur="indefinite" restart="never" nodeType="tmRoot"/>
+      </p:par>
+    </p:tnLst>
+  </p:timing>
 </p:sld>
 </file>
 
@@ -8942,4 +9612,324 @@
   </a:objectDefaults>
   <a:extraClrSchemeLst/>
 </a:theme>
+</file>
+
+<file path=ppt/theme/theme2.xml><?xml version="1.0" encoding="utf-8"?>
+<a:theme xmlns:a="http://schemas.openxmlformats.org/drawingml/2006/main" name="Office 佈景主題">
+  <a:themeElements>
+    <a:clrScheme name="Office">
+      <a:dk1>
+        <a:sysClr val="windowText" lastClr="000000"/>
+      </a:dk1>
+      <a:lt1>
+        <a:sysClr val="window" lastClr="FFFFFF"/>
+      </a:lt1>
+      <a:dk2>
+        <a:srgbClr val="1F497D"/>
+      </a:dk2>
+      <a:lt2>
+        <a:srgbClr val="EEECE1"/>
+      </a:lt2>
+      <a:accent1>
+        <a:srgbClr val="4F81BD"/>
+      </a:accent1>
+      <a:accent2>
+        <a:srgbClr val="C0504D"/>
+      </a:accent2>
+      <a:accent3>
+        <a:srgbClr val="9BBB59"/>
+      </a:accent3>
+      <a:accent4>
+        <a:srgbClr val="8064A2"/>
+      </a:accent4>
+      <a:accent5>
+        <a:srgbClr val="4BACC6"/>
+      </a:accent5>
+      <a:accent6>
+        <a:srgbClr val="F79646"/>
+      </a:accent6>
+      <a:hlink>
+        <a:srgbClr val="0000FF"/>
+      </a:hlink>
+      <a:folHlink>
+        <a:srgbClr val="800080"/>
+      </a:folHlink>
+    </a:clrScheme>
+    <a:fontScheme name="Office">
+      <a:majorFont>
+        <a:latin typeface="Calibri"/>
+        <a:ea typeface=""/>
+        <a:cs typeface=""/>
+        <a:font script="Jpan" typeface="ＭＳ Ｐゴシック"/>
+        <a:font script="Hang" typeface="맑은 고딕"/>
+        <a:font script="Hans" typeface="宋体"/>
+        <a:font script="Hant" typeface="新細明體"/>
+        <a:font script="Arab" typeface="Times New Roman"/>
+        <a:font script="Hebr" typeface="Times New Roman"/>
+        <a:font script="Thai" typeface="Angsana New"/>
+        <a:font script="Ethi" typeface="Nyala"/>
+        <a:font script="Beng" typeface="Vrinda"/>
+        <a:font script="Gujr" typeface="Shruti"/>
+        <a:font script="Khmr" typeface="MoolBoran"/>
+        <a:font script="Knda" typeface="Tunga"/>
+        <a:font script="Guru" typeface="Raavi"/>
+        <a:font script="Cans" typeface="Euphemia"/>
+        <a:font script="Cher" typeface="Plantagenet Cherokee"/>
+        <a:font script="Yiii" typeface="Microsoft Yi Baiti"/>
+        <a:font script="Tibt" typeface="Microsoft Himalaya"/>
+        <a:font script="Thaa" typeface="MV Boli"/>
+        <a:font script="Deva" typeface="Mangal"/>
+        <a:font script="Telu" typeface="Gautami"/>
+        <a:font script="Taml" typeface="Latha"/>
+        <a:font script="Syrc" typeface="Estrangelo Edessa"/>
+        <a:font script="Orya" typeface="Kalinga"/>
+        <a:font script="Mlym" typeface="Kartika"/>
+        <a:font script="Laoo" typeface="DokChampa"/>
+        <a:font script="Sinh" typeface="Iskoola Pota"/>
+        <a:font script="Mong" typeface="Mongolian Baiti"/>
+        <a:font script="Viet" typeface="Times New Roman"/>
+        <a:font script="Uigh" typeface="Microsoft Uighur"/>
+        <a:font script="Geor" typeface="Sylfaen"/>
+      </a:majorFont>
+      <a:minorFont>
+        <a:latin typeface="Calibri"/>
+        <a:ea typeface=""/>
+        <a:cs typeface=""/>
+        <a:font script="Jpan" typeface="ＭＳ Ｐゴシック"/>
+        <a:font script="Hang" typeface="맑은 고딕"/>
+        <a:font script="Hans" typeface="宋体"/>
+        <a:font script="Hant" typeface="新細明體"/>
+        <a:font script="Arab" typeface="Arial"/>
+        <a:font script="Hebr" typeface="Arial"/>
+        <a:font script="Thai" typeface="Cordia New"/>
+        <a:font script="Ethi" typeface="Nyala"/>
+        <a:font script="Beng" typeface="Vrinda"/>
+        <a:font script="Gujr" typeface="Shruti"/>
+        <a:font script="Khmr" typeface="DaunPenh"/>
+        <a:font script="Knda" typeface="Tunga"/>
+        <a:font script="Guru" typeface="Raavi"/>
+        <a:font script="Cans" typeface="Euphemia"/>
+        <a:font script="Cher" typeface="Plantagenet Cherokee"/>
+        <a:font script="Yiii" typeface="Microsoft Yi Baiti"/>
+        <a:font script="Tibt" typeface="Microsoft Himalaya"/>
+        <a:font script="Thaa" typeface="MV Boli"/>
+        <a:font script="Deva" typeface="Mangal"/>
+        <a:font script="Telu" typeface="Gautami"/>
+        <a:font script="Taml" typeface="Latha"/>
+        <a:font script="Syrc" typeface="Estrangelo Edessa"/>
+        <a:font script="Orya" typeface="Kalinga"/>
+        <a:font script="Mlym" typeface="Kartika"/>
+        <a:font script="Laoo" typeface="DokChampa"/>
+        <a:font script="Sinh" typeface="Iskoola Pota"/>
+        <a:font script="Mong" typeface="Mongolian Baiti"/>
+        <a:font script="Viet" typeface="Arial"/>
+        <a:font script="Uigh" typeface="Microsoft Uighur"/>
+        <a:font script="Geor" typeface="Sylfaen"/>
+      </a:minorFont>
+    </a:fontScheme>
+    <a:fmtScheme name="Office">
+      <a:fillStyleLst>
+        <a:solidFill>
+          <a:schemeClr val="phClr"/>
+        </a:solidFill>
+        <a:gradFill rotWithShape="1">
+          <a:gsLst>
+            <a:gs pos="0">
+              <a:schemeClr val="phClr">
+                <a:tint val="50000"/>
+                <a:satMod val="300000"/>
+              </a:schemeClr>
+            </a:gs>
+            <a:gs pos="35000">
+              <a:schemeClr val="phClr">
+                <a:tint val="37000"/>
+                <a:satMod val="300000"/>
+              </a:schemeClr>
+            </a:gs>
+            <a:gs pos="100000">
+              <a:schemeClr val="phClr">
+                <a:tint val="15000"/>
+                <a:satMod val="350000"/>
+              </a:schemeClr>
+            </a:gs>
+          </a:gsLst>
+          <a:lin ang="16200000" scaled="1"/>
+        </a:gradFill>
+        <a:gradFill rotWithShape="1">
+          <a:gsLst>
+            <a:gs pos="0">
+              <a:schemeClr val="phClr">
+                <a:tint val="100000"/>
+                <a:shade val="100000"/>
+                <a:satMod val="130000"/>
+              </a:schemeClr>
+            </a:gs>
+            <a:gs pos="100000">
+              <a:schemeClr val="phClr">
+                <a:tint val="50000"/>
+                <a:shade val="100000"/>
+                <a:satMod val="350000"/>
+              </a:schemeClr>
+            </a:gs>
+          </a:gsLst>
+          <a:lin ang="16200000" scaled="0"/>
+        </a:gradFill>
+      </a:fillStyleLst>
+      <a:lnStyleLst>
+        <a:ln w="9525" cap="flat" cmpd="sng" algn="ctr">
+          <a:solidFill>
+            <a:schemeClr val="phClr">
+              <a:shade val="95000"/>
+              <a:satMod val="105000"/>
+            </a:schemeClr>
+          </a:solidFill>
+          <a:prstDash val="solid"/>
+        </a:ln>
+        <a:ln w="25400" cap="flat" cmpd="sng" algn="ctr">
+          <a:solidFill>
+            <a:schemeClr val="phClr"/>
+          </a:solidFill>
+          <a:prstDash val="solid"/>
+        </a:ln>
+        <a:ln w="38100" cap="flat" cmpd="sng" algn="ctr">
+          <a:solidFill>
+            <a:schemeClr val="phClr"/>
+          </a:solidFill>
+          <a:prstDash val="solid"/>
+        </a:ln>
+      </a:lnStyleLst>
+      <a:effectStyleLst>
+        <a:effectStyle>
+          <a:effectLst>
+            <a:outerShdw blurRad="40000" dist="20000" dir="5400000" rotWithShape="0">
+              <a:srgbClr val="000000">
+                <a:alpha val="38000"/>
+              </a:srgbClr>
+            </a:outerShdw>
+          </a:effectLst>
+        </a:effectStyle>
+        <a:effectStyle>
+          <a:effectLst>
+            <a:outerShdw blurRad="40000" dist="23000" dir="5400000" rotWithShape="0">
+              <a:srgbClr val="000000">
+                <a:alpha val="35000"/>
+              </a:srgbClr>
+            </a:outerShdw>
+          </a:effectLst>
+        </a:effectStyle>
+        <a:effectStyle>
+          <a:effectLst>
+            <a:outerShdw blurRad="40000" dist="23000" dir="5400000" rotWithShape="0">
+              <a:srgbClr val="000000">
+                <a:alpha val="35000"/>
+              </a:srgbClr>
+            </a:outerShdw>
+          </a:effectLst>
+          <a:scene3d>
+            <a:camera prst="orthographicFront">
+              <a:rot lat="0" lon="0" rev="0"/>
+            </a:camera>
+            <a:lightRig rig="threePt" dir="t">
+              <a:rot lat="0" lon="0" rev="1200000"/>
+            </a:lightRig>
+          </a:scene3d>
+          <a:sp3d>
+            <a:bevelT w="63500" h="25400"/>
+          </a:sp3d>
+        </a:effectStyle>
+      </a:effectStyleLst>
+      <a:bgFillStyleLst>
+        <a:solidFill>
+          <a:schemeClr val="phClr"/>
+        </a:solidFill>
+        <a:gradFill rotWithShape="1">
+          <a:gsLst>
+            <a:gs pos="0">
+              <a:schemeClr val="phClr">
+                <a:tint val="40000"/>
+                <a:satMod val="350000"/>
+              </a:schemeClr>
+            </a:gs>
+            <a:gs pos="40000">
+              <a:schemeClr val="phClr">
+                <a:tint val="45000"/>
+                <a:shade val="99000"/>
+                <a:satMod val="350000"/>
+              </a:schemeClr>
+            </a:gs>
+            <a:gs pos="100000">
+              <a:schemeClr val="phClr">
+                <a:shade val="20000"/>
+                <a:satMod val="255000"/>
+              </a:schemeClr>
+            </a:gs>
+          </a:gsLst>
+          <a:path path="circle">
+            <a:fillToRect l="50000" t="-80000" r="50000" b="180000"/>
+          </a:path>
+        </a:gradFill>
+        <a:gradFill rotWithShape="1">
+          <a:gsLst>
+            <a:gs pos="0">
+              <a:schemeClr val="phClr">
+                <a:tint val="80000"/>
+                <a:satMod val="300000"/>
+              </a:schemeClr>
+            </a:gs>
+            <a:gs pos="100000">
+              <a:schemeClr val="phClr">
+                <a:shade val="30000"/>
+                <a:satMod val="200000"/>
+              </a:schemeClr>
+            </a:gs>
+          </a:gsLst>
+          <a:path path="circle">
+            <a:fillToRect l="50000" t="50000" r="50000" b="50000"/>
+          </a:path>
+        </a:gradFill>
+      </a:bgFillStyleLst>
+    </a:fmtScheme>
+  </a:themeElements>
+  <a:objectDefaults>
+    <a:spDef>
+      <a:spPr/>
+      <a:bodyPr/>
+      <a:lstStyle/>
+      <a:style>
+        <a:lnRef idx="1">
+          <a:schemeClr val="accent1"/>
+        </a:lnRef>
+        <a:fillRef idx="3">
+          <a:schemeClr val="accent1"/>
+        </a:fillRef>
+        <a:effectRef idx="2">
+          <a:schemeClr val="accent1"/>
+        </a:effectRef>
+        <a:fontRef idx="minor">
+          <a:schemeClr val="lt1"/>
+        </a:fontRef>
+      </a:style>
+    </a:spDef>
+    <a:lnDef>
+      <a:spPr/>
+      <a:bodyPr/>
+      <a:lstStyle/>
+      <a:style>
+        <a:lnRef idx="2">
+          <a:schemeClr val="accent1"/>
+        </a:lnRef>
+        <a:fillRef idx="0">
+          <a:schemeClr val="accent1"/>
+        </a:fillRef>
+        <a:effectRef idx="1">
+          <a:schemeClr val="accent1"/>
+        </a:effectRef>
+        <a:fontRef idx="minor">
+          <a:schemeClr val="tx1"/>
+        </a:fontRef>
+      </a:style>
+    </a:lnDef>
+  </a:objectDefaults>
+  <a:extraClrSchemeLst/>
+</a:theme>
 </file>
--- a/PySQL_Intro.pptx
+++ b/PySQL_Intro.pptx
@@ -5,15 +5,23 @@
     <p:sldMasterId id="2147483660" r:id="rId1"/>
   </p:sldMasterIdLst>
   <p:notesMasterIdLst>
-    <p:notesMasterId r:id="rId8"/>
+    <p:notesMasterId r:id="rId16"/>
   </p:notesMasterIdLst>
   <p:sldIdLst>
     <p:sldId id="256" r:id="rId2"/>
     <p:sldId id="257" r:id="rId3"/>
     <p:sldId id="258" r:id="rId4"/>
-    <p:sldId id="259" r:id="rId5"/>
-    <p:sldId id="260" r:id="rId6"/>
-    <p:sldId id="261" r:id="rId7"/>
+    <p:sldId id="268" r:id="rId5"/>
+    <p:sldId id="259" r:id="rId6"/>
+    <p:sldId id="262" r:id="rId7"/>
+    <p:sldId id="263" r:id="rId8"/>
+    <p:sldId id="264" r:id="rId9"/>
+    <p:sldId id="260" r:id="rId10"/>
+    <p:sldId id="269" r:id="rId11"/>
+    <p:sldId id="265" r:id="rId12"/>
+    <p:sldId id="266" r:id="rId13"/>
+    <p:sldId id="267" r:id="rId14"/>
+    <p:sldId id="261" r:id="rId15"/>
   </p:sldIdLst>
   <p:sldSz cx="9144000" cy="6858000" type="screen4x3"/>
   <p:notesSz cx="6858000" cy="9144000"/>
@@ -197,7 +205,7 @@
           <a:p>
             <a:fld id="{B9637D11-CAC6-D64A-906E-21F47822F9C3}" type="datetimeFigureOut">
               <a:rPr kumimoji="1" lang="zh-TW" altLang="en-US" smtClean="0"/>
-              <a:t>13/12/10</a:t>
+              <a:t>13/12/11</a:t>
             </a:fld>
             <a:endParaRPr kumimoji="1" lang="zh-TW" altLang="en-US"/>
           </a:p>
@@ -838,7 +846,7 @@
           <a:p>
             <a:fld id="{A2F0292D-1797-49A5-8D2D-8D50C72EF3CC}" type="datetimeFigureOut">
               <a:rPr lang="en-US" smtClean="0"/>
-              <a:t>13/12/10</a:t>
+              <a:t>13/12/11</a:t>
             </a:fld>
             <a:endParaRPr lang="en-US"/>
           </a:p>
@@ -1317,7 +1325,7 @@
           <a:p>
             <a:fld id="{A2F0292D-1797-49A5-8D2D-8D50C72EF3CC}" type="datetimeFigureOut">
               <a:rPr lang="en-US" smtClean="0"/>
-              <a:t>13/12/10</a:t>
+              <a:t>13/12/11</a:t>
             </a:fld>
             <a:endParaRPr lang="en-US"/>
           </a:p>
@@ -1546,7 +1554,7 @@
           <a:p>
             <a:fld id="{A2F0292D-1797-49A5-8D2D-8D50C72EF3CC}" type="datetimeFigureOut">
               <a:rPr lang="en-US" smtClean="0"/>
-              <a:t>13/12/10</a:t>
+              <a:t>13/12/11</a:t>
             </a:fld>
             <a:endParaRPr lang="en-US"/>
           </a:p>
@@ -1776,7 +1784,7 @@
           <a:p>
             <a:fld id="{A2F0292D-1797-49A5-8D2D-8D50C72EF3CC}" type="datetimeFigureOut">
               <a:rPr lang="en-US" smtClean="0"/>
-              <a:t>13/12/10</a:t>
+              <a:t>13/12/11</a:t>
             </a:fld>
             <a:endParaRPr lang="en-US"/>
           </a:p>
@@ -2108,7 +2116,7 @@
           <a:p>
             <a:fld id="{A2F0292D-1797-49A5-8D2D-8D50C72EF3CC}" type="datetimeFigureOut">
               <a:rPr lang="en-US" smtClean="0"/>
-              <a:t>13/12/10</a:t>
+              <a:t>13/12/11</a:t>
             </a:fld>
             <a:endParaRPr lang="en-US"/>
           </a:p>
@@ -2466,7 +2474,7 @@
           <a:p>
             <a:fld id="{A2F0292D-1797-49A5-8D2D-8D50C72EF3CC}" type="datetimeFigureOut">
               <a:rPr lang="en-US" smtClean="0"/>
-              <a:t>13/12/10</a:t>
+              <a:t>13/12/11</a:t>
             </a:fld>
             <a:endParaRPr lang="en-US"/>
           </a:p>
@@ -2942,7 +2950,7 @@
           <a:p>
             <a:fld id="{A2F0292D-1797-49A5-8D2D-8D50C72EF3CC}" type="datetimeFigureOut">
               <a:rPr lang="en-US" smtClean="0"/>
-              <a:t>13/12/10</a:t>
+              <a:t>13/12/11</a:t>
             </a:fld>
             <a:endParaRPr lang="en-US"/>
           </a:p>
@@ -3623,7 +3631,7 @@
           <a:p>
             <a:fld id="{A2F0292D-1797-49A5-8D2D-8D50C72EF3CC}" type="datetimeFigureOut">
               <a:rPr lang="en-US" smtClean="0"/>
-              <a:t>13/12/10</a:t>
+              <a:t>13/12/11</a:t>
             </a:fld>
             <a:endParaRPr lang="en-US"/>
           </a:p>
@@ -3802,7 +3810,7 @@
           <a:p>
             <a:fld id="{A2F0292D-1797-49A5-8D2D-8D50C72EF3CC}" type="datetimeFigureOut">
               <a:rPr lang="en-US" smtClean="0"/>
-              <a:t>13/12/10</a:t>
+              <a:t>13/12/11</a:t>
             </a:fld>
             <a:endParaRPr lang="en-US"/>
           </a:p>
@@ -3973,7 +3981,7 @@
           <a:p>
             <a:fld id="{A2F0292D-1797-49A5-8D2D-8D50C72EF3CC}" type="datetimeFigureOut">
               <a:rPr lang="en-US" smtClean="0"/>
-              <a:t>13/12/10</a:t>
+              <a:t>13/12/11</a:t>
             </a:fld>
             <a:endParaRPr lang="en-US"/>
           </a:p>
@@ -4063,7 +4071,7 @@
           <a:p>
             <a:fld id="{A2F0292D-1797-49A5-8D2D-8D50C72EF3CC}" type="datetimeFigureOut">
               <a:rPr lang="en-US" smtClean="0"/>
-              <a:t>13/12/10</a:t>
+              <a:t>13/12/11</a:t>
             </a:fld>
             <a:endParaRPr lang="en-US"/>
           </a:p>
@@ -5085,7 +5093,7 @@
           <a:p>
             <a:fld id="{A2F0292D-1797-49A5-8D2D-8D50C72EF3CC}" type="datetimeFigureOut">
               <a:rPr lang="en-US" smtClean="0"/>
-              <a:t>13/12/10</a:t>
+              <a:t>13/12/11</a:t>
             </a:fld>
             <a:endParaRPr lang="en-US"/>
           </a:p>
@@ -5660,7 +5668,7 @@
           <a:p>
             <a:fld id="{A2F0292D-1797-49A5-8D2D-8D50C72EF3CC}" type="datetimeFigureOut">
               <a:rPr lang="en-US" smtClean="0"/>
-              <a:t>13/12/10</a:t>
+              <a:t>13/12/11</a:t>
             </a:fld>
             <a:endParaRPr lang="en-US"/>
           </a:p>
@@ -6168,7 +6176,7 @@
           <a:p>
             <a:fld id="{A2F0292D-1797-49A5-8D2D-8D50C72EF3CC}" type="datetimeFigureOut">
               <a:rPr lang="en-US" smtClean="0"/>
-              <a:t>13/12/10</a:t>
+              <a:t>13/12/11</a:t>
             </a:fld>
             <a:endParaRPr lang="en-US"/>
           </a:p>
@@ -6588,7 +6596,7 @@
           <a:p>
             <a:fld id="{A2F0292D-1797-49A5-8D2D-8D50C72EF3CC}" type="datetimeFigureOut">
               <a:rPr lang="en-US" smtClean="0"/>
-              <a:t>13/12/10</a:t>
+              <a:t>13/12/11</a:t>
             </a:fld>
             <a:endParaRPr lang="en-US"/>
           </a:p>
@@ -6952,7 +6960,7 @@
           <a:p>
             <a:fld id="{A2F0292D-1797-49A5-8D2D-8D50C72EF3CC}" type="datetimeFigureOut">
               <a:rPr lang="en-US" smtClean="0"/>
-              <a:t>13/12/10</a:t>
+              <a:t>13/12/11</a:t>
             </a:fld>
             <a:endParaRPr lang="en-US"/>
           </a:p>
@@ -7498,7 +7506,7 @@
           <a:p>
             <a:fld id="{A2F0292D-1797-49A5-8D2D-8D50C72EF3CC}" type="datetimeFigureOut">
               <a:rPr lang="en-US" smtClean="0"/>
-              <a:t>13/12/10</a:t>
+              <a:t>13/12/11</a:t>
             </a:fld>
             <a:endParaRPr lang="en-US"/>
           </a:p>
@@ -7611,7 +7619,7 @@
           <a:p>
             <a:fld id="{A2F0292D-1797-49A5-8D2D-8D50C72EF3CC}" type="datetimeFigureOut">
               <a:rPr lang="en-US" smtClean="0"/>
-              <a:t>13/12/10</a:t>
+              <a:t>13/12/11</a:t>
             </a:fld>
             <a:endParaRPr lang="en-US"/>
           </a:p>
@@ -8516,6 +8524,959 @@
 </p:sld>
 </file>
 
+<file path=ppt/slides/slide10.xml><?xml version="1.0" encoding="utf-8"?>
+<p:sld xmlns:a="http://schemas.openxmlformats.org/drawingml/2006/main" xmlns:r="http://schemas.openxmlformats.org/officeDocument/2006/relationships" xmlns:p="http://schemas.openxmlformats.org/presentationml/2006/main">
+  <p:cSld>
+    <p:spTree>
+      <p:nvGrpSpPr>
+        <p:cNvPr id="1" name=""/>
+        <p:cNvGrpSpPr/>
+        <p:nvPr/>
+      </p:nvGrpSpPr>
+      <p:grpSpPr>
+        <a:xfrm>
+          <a:off x="0" y="0"/>
+          <a:ext cx="0" cy="0"/>
+          <a:chOff x="0" y="0"/>
+          <a:chExt cx="0" cy="0"/>
+        </a:xfrm>
+      </p:grpSpPr>
+      <p:pic>
+        <p:nvPicPr>
+          <p:cNvPr id="5" name="圖片 4"/>
+          <p:cNvPicPr>
+            <a:picLocks noChangeAspect="1"/>
+          </p:cNvPicPr>
+          <p:nvPr/>
+        </p:nvPicPr>
+        <p:blipFill>
+          <a:blip r:embed="rId2"/>
+          <a:stretch>
+            <a:fillRect/>
+          </a:stretch>
+        </p:blipFill>
+        <p:spPr>
+          <a:xfrm>
+            <a:off x="2241062" y="0"/>
+            <a:ext cx="6902938" cy="2331608"/>
+          </a:xfrm>
+          <a:prstGeom prst="rect">
+            <a:avLst/>
+          </a:prstGeom>
+        </p:spPr>
+      </p:pic>
+      <p:sp>
+        <p:nvSpPr>
+          <p:cNvPr id="2" name="內容版面配置區 1"/>
+          <p:cNvSpPr>
+            <a:spLocks noGrp="1"/>
+          </p:cNvSpPr>
+          <p:nvPr>
+            <p:ph idx="1"/>
+          </p:nvPr>
+        </p:nvSpPr>
+        <p:spPr>
+          <a:xfrm>
+            <a:off x="1792847" y="2020888"/>
+            <a:ext cx="7544909" cy="586845"/>
+          </a:xfrm>
+        </p:spPr>
+        <p:txBody>
+          <a:bodyPr>
+            <a:normAutofit/>
+          </a:bodyPr>
+          <a:lstStyle/>
+          <a:p>
+            <a:r>
+              <a:rPr kumimoji="1" lang="en-US" altLang="zh-TW" sz="2400" b="1" dirty="0" smtClean="0">
+                <a:latin typeface="Helvetica"/>
+                <a:cs typeface="Helvetica"/>
+              </a:rPr>
+              <a:t>set</a:t>
+            </a:r>
+            <a:r>
+              <a:rPr kumimoji="1" lang="en-US" altLang="zh-TW" sz="2400" b="1" dirty="0" smtClean="0">
+                <a:latin typeface="Helvetica"/>
+                <a:cs typeface="Helvetica"/>
+              </a:rPr>
+              <a:t>: must finish define </a:t>
+            </a:r>
+            <a:r>
+              <a:rPr kumimoji="1" lang="en-US" altLang="zh-TW" sz="2400" b="1" dirty="0" smtClean="0">
+                <a:latin typeface="Helvetica"/>
+                <a:cs typeface="Helvetica"/>
+              </a:rPr>
+              <a:t>first</a:t>
+            </a:r>
+            <a:endParaRPr kumimoji="1" lang="en-US" altLang="zh-TW" sz="2400" b="1" dirty="0" smtClean="0">
+              <a:latin typeface="Helvetica"/>
+              <a:cs typeface="Helvetica"/>
+            </a:endParaRPr>
+          </a:p>
+          <a:p>
+            <a:endParaRPr kumimoji="1" lang="zh-TW" altLang="en-US" dirty="0"/>
+          </a:p>
+        </p:txBody>
+      </p:sp>
+      <p:pic>
+        <p:nvPicPr>
+          <p:cNvPr id="3" name="圖片 2" descr="螢幕快照 2013-12-11 下午11.44.35.png"/>
+          <p:cNvPicPr>
+            <a:picLocks noChangeAspect="1"/>
+          </p:cNvPicPr>
+          <p:nvPr/>
+        </p:nvPicPr>
+        <p:blipFill>
+          <a:blip r:embed="rId3">
+            <a:extLst>
+              <a:ext uri="{28A0092B-C50C-407E-A947-70E740481C1C}">
+                <a14:useLocalDpi xmlns:a14="http://schemas.microsoft.com/office/drawing/2010/main" val="0"/>
+              </a:ext>
+            </a:extLst>
+          </a:blip>
+          <a:stretch>
+            <a:fillRect/>
+          </a:stretch>
+        </p:blipFill>
+        <p:spPr>
+          <a:xfrm>
+            <a:off x="2241061" y="2692400"/>
+            <a:ext cx="5315607" cy="863600"/>
+          </a:xfrm>
+          <a:prstGeom prst="rect">
+            <a:avLst/>
+          </a:prstGeom>
+        </p:spPr>
+      </p:pic>
+      <p:sp>
+        <p:nvSpPr>
+          <p:cNvPr id="6" name="內容版面配置區 1"/>
+          <p:cNvSpPr txBox="1">
+            <a:spLocks/>
+          </p:cNvSpPr>
+          <p:nvPr/>
+        </p:nvSpPr>
+        <p:spPr>
+          <a:xfrm>
+            <a:off x="1945247" y="4222221"/>
+            <a:ext cx="7544909" cy="586845"/>
+          </a:xfrm>
+          <a:prstGeom prst="rect">
+            <a:avLst/>
+          </a:prstGeom>
+        </p:spPr>
+        <p:txBody>
+          <a:bodyPr vert="horz" lIns="91440" tIns="45720" rIns="91440" bIns="45720" rtlCol="0">
+            <a:normAutofit/>
+          </a:bodyPr>
+          <a:lstStyle>
+            <a:lvl1pPr marL="228600" indent="-228600" algn="l" defTabSz="914400" rtl="0" eaLnBrk="1" latinLnBrk="0" hangingPunct="1">
+              <a:spcBef>
+                <a:spcPts val="1800"/>
+              </a:spcBef>
+              <a:buClr>
+                <a:schemeClr val="accent1"/>
+              </a:buClr>
+              <a:buSzPct val="130000"/>
+              <a:buFont typeface="Wingdings" pitchFamily="2" charset="2"/>
+              <a:buChar char="§"/>
+              <a:defRPr sz="1800" kern="1200">
+                <a:solidFill>
+                  <a:schemeClr val="tx1">
+                    <a:lumMod val="75000"/>
+                    <a:lumOff val="25000"/>
+                  </a:schemeClr>
+                </a:solidFill>
+                <a:latin typeface="+mn-lt"/>
+                <a:ea typeface="+mn-ea"/>
+                <a:cs typeface="+mn-cs"/>
+              </a:defRPr>
+            </a:lvl1pPr>
+            <a:lvl2pPr marL="457200" indent="-228600" algn="l" defTabSz="914400" rtl="0" eaLnBrk="1" latinLnBrk="0" hangingPunct="1">
+              <a:spcBef>
+                <a:spcPts val="600"/>
+              </a:spcBef>
+              <a:buClr>
+                <a:schemeClr val="accent2"/>
+              </a:buClr>
+              <a:buSzPct val="130000"/>
+              <a:buFont typeface="Wingdings" pitchFamily="2" charset="2"/>
+              <a:buChar char="§"/>
+              <a:defRPr sz="1800" kern="1200">
+                <a:solidFill>
+                  <a:schemeClr val="tx1">
+                    <a:lumMod val="75000"/>
+                    <a:lumOff val="25000"/>
+                  </a:schemeClr>
+                </a:solidFill>
+                <a:latin typeface="+mn-lt"/>
+                <a:ea typeface="+mn-ea"/>
+                <a:cs typeface="+mn-cs"/>
+              </a:defRPr>
+            </a:lvl2pPr>
+            <a:lvl3pPr marL="685800" indent="-228600" algn="l" defTabSz="914400" rtl="0" eaLnBrk="1" latinLnBrk="0" hangingPunct="1">
+              <a:spcBef>
+                <a:spcPts val="600"/>
+              </a:spcBef>
+              <a:buClr>
+                <a:schemeClr val="accent1"/>
+              </a:buClr>
+              <a:buSzPct val="130000"/>
+              <a:buFont typeface="Wingdings" pitchFamily="2" charset="2"/>
+              <a:buChar char="§"/>
+              <a:defRPr sz="1800" kern="1200">
+                <a:solidFill>
+                  <a:schemeClr val="tx1">
+                    <a:lumMod val="75000"/>
+                    <a:lumOff val="25000"/>
+                  </a:schemeClr>
+                </a:solidFill>
+                <a:latin typeface="+mn-lt"/>
+                <a:ea typeface="+mn-ea"/>
+                <a:cs typeface="+mn-cs"/>
+              </a:defRPr>
+            </a:lvl3pPr>
+            <a:lvl4pPr marL="914400" indent="-228600" algn="l" defTabSz="914400" rtl="0" eaLnBrk="1" latinLnBrk="0" hangingPunct="1">
+              <a:spcBef>
+                <a:spcPts val="600"/>
+              </a:spcBef>
+              <a:buClr>
+                <a:schemeClr val="accent2"/>
+              </a:buClr>
+              <a:buSzPct val="130000"/>
+              <a:buFont typeface="Wingdings" pitchFamily="2" charset="2"/>
+              <a:buChar char="§"/>
+              <a:defRPr sz="1800" kern="1200">
+                <a:solidFill>
+                  <a:schemeClr val="tx1">
+                    <a:lumMod val="75000"/>
+                    <a:lumOff val="25000"/>
+                  </a:schemeClr>
+                </a:solidFill>
+                <a:latin typeface="+mn-lt"/>
+                <a:ea typeface="+mn-ea"/>
+                <a:cs typeface="+mn-cs"/>
+              </a:defRPr>
+            </a:lvl4pPr>
+            <a:lvl5pPr marL="1143000" indent="-228600" algn="l" defTabSz="914400" rtl="0" eaLnBrk="1" latinLnBrk="0" hangingPunct="1">
+              <a:spcBef>
+                <a:spcPts val="600"/>
+              </a:spcBef>
+              <a:buClr>
+                <a:schemeClr val="accent1"/>
+              </a:buClr>
+              <a:buSzPct val="130000"/>
+              <a:buFont typeface="Wingdings" pitchFamily="2" charset="2"/>
+              <a:buChar char="§"/>
+              <a:defRPr sz="1800" kern="1200">
+                <a:solidFill>
+                  <a:schemeClr val="tx1">
+                    <a:lumMod val="75000"/>
+                    <a:lumOff val="25000"/>
+                  </a:schemeClr>
+                </a:solidFill>
+                <a:latin typeface="+mn-lt"/>
+                <a:ea typeface="+mn-ea"/>
+                <a:cs typeface="+mn-cs"/>
+              </a:defRPr>
+            </a:lvl5pPr>
+            <a:lvl6pPr marL="1377950" indent="-228600" algn="l" defTabSz="914400" rtl="0" eaLnBrk="1" latinLnBrk="0" hangingPunct="1">
+              <a:spcBef>
+                <a:spcPct val="20000"/>
+              </a:spcBef>
+              <a:buClr>
+                <a:schemeClr val="accent2"/>
+              </a:buClr>
+              <a:buSzPct val="130000"/>
+              <a:buFont typeface="Wingdings" pitchFamily="2" charset="2"/>
+              <a:buChar char="§"/>
+              <a:defRPr lang="en-US" sz="1800" kern="1200" dirty="0" smtClean="0">
+                <a:solidFill>
+                  <a:schemeClr val="tx1">
+                    <a:lumMod val="75000"/>
+                    <a:lumOff val="25000"/>
+                  </a:schemeClr>
+                </a:solidFill>
+                <a:latin typeface="+mn-lt"/>
+                <a:ea typeface="+mn-ea"/>
+                <a:cs typeface="+mn-cs"/>
+              </a:defRPr>
+            </a:lvl6pPr>
+            <a:lvl7pPr marL="1603375" indent="-228600" algn="l" defTabSz="914400" rtl="0" eaLnBrk="1" latinLnBrk="0" hangingPunct="1">
+              <a:spcBef>
+                <a:spcPct val="20000"/>
+              </a:spcBef>
+              <a:buClr>
+                <a:schemeClr val="accent1"/>
+              </a:buClr>
+              <a:buSzPct val="130000"/>
+              <a:buFont typeface="Wingdings" pitchFamily="2" charset="2"/>
+              <a:buChar char="§"/>
+              <a:defRPr lang="en-US" sz="1800" kern="1200" dirty="0" smtClean="0">
+                <a:solidFill>
+                  <a:schemeClr val="tx1">
+                    <a:lumMod val="75000"/>
+                    <a:lumOff val="25000"/>
+                  </a:schemeClr>
+                </a:solidFill>
+                <a:latin typeface="+mn-lt"/>
+                <a:ea typeface="+mn-ea"/>
+                <a:cs typeface="+mn-cs"/>
+              </a:defRPr>
+            </a:lvl7pPr>
+            <a:lvl8pPr marL="1828800" indent="-227013" algn="l" defTabSz="914400" rtl="0" eaLnBrk="1" latinLnBrk="0" hangingPunct="1">
+              <a:spcBef>
+                <a:spcPct val="20000"/>
+              </a:spcBef>
+              <a:buClr>
+                <a:schemeClr val="accent2"/>
+              </a:buClr>
+              <a:buSzPct val="130000"/>
+              <a:buFont typeface="Wingdings" pitchFamily="2" charset="2"/>
+              <a:buChar char="§"/>
+              <a:defRPr lang="en-US" sz="1800" kern="1200" dirty="0" smtClean="0">
+                <a:solidFill>
+                  <a:schemeClr val="tx1">
+                    <a:lumMod val="75000"/>
+                    <a:lumOff val="25000"/>
+                  </a:schemeClr>
+                </a:solidFill>
+                <a:latin typeface="+mn-lt"/>
+                <a:ea typeface="+mn-ea"/>
+                <a:cs typeface="+mn-cs"/>
+              </a:defRPr>
+            </a:lvl8pPr>
+            <a:lvl9pPr marL="2055813" indent="-227013" algn="l" defTabSz="914400" rtl="0" eaLnBrk="1" latinLnBrk="0" hangingPunct="1">
+              <a:spcBef>
+                <a:spcPct val="20000"/>
+              </a:spcBef>
+              <a:buClr>
+                <a:schemeClr val="accent1"/>
+              </a:buClr>
+              <a:buSzPct val="130000"/>
+              <a:buFont typeface="Wingdings" pitchFamily="2" charset="2"/>
+              <a:buChar char="§"/>
+              <a:defRPr lang="en-US" sz="1800" kern="1200" dirty="0">
+                <a:solidFill>
+                  <a:schemeClr val="tx1">
+                    <a:lumMod val="75000"/>
+                    <a:lumOff val="25000"/>
+                  </a:schemeClr>
+                </a:solidFill>
+                <a:latin typeface="+mn-lt"/>
+                <a:ea typeface="+mn-ea"/>
+                <a:cs typeface="+mn-cs"/>
+              </a:defRPr>
+            </a:lvl9pPr>
+          </a:lstStyle>
+          <a:p>
+            <a:r>
+              <a:rPr kumimoji="1" lang="en-US" altLang="zh-TW" sz="2400" b="1" dirty="0" smtClean="0">
+                <a:latin typeface="Helvetica"/>
+                <a:cs typeface="Helvetica"/>
+              </a:rPr>
+              <a:t>Login: user/admin </a:t>
+            </a:r>
+            <a:endParaRPr kumimoji="1" lang="zh-TW" altLang="en-US" dirty="0"/>
+          </a:p>
+        </p:txBody>
+      </p:sp>
+      <p:pic>
+        <p:nvPicPr>
+          <p:cNvPr id="4" name="圖片 3" descr="螢幕快照 2013-12-11 下午11.51.31.png"/>
+          <p:cNvPicPr>
+            <a:picLocks noChangeAspect="1"/>
+          </p:cNvPicPr>
+          <p:nvPr/>
+        </p:nvPicPr>
+        <p:blipFill>
+          <a:blip r:embed="rId4">
+            <a:extLst>
+              <a:ext uri="{28A0092B-C50C-407E-A947-70E740481C1C}">
+                <a14:useLocalDpi xmlns:a14="http://schemas.microsoft.com/office/drawing/2010/main" val="0"/>
+              </a:ext>
+            </a:extLst>
+          </a:blip>
+          <a:stretch>
+            <a:fillRect/>
+          </a:stretch>
+        </p:blipFill>
+        <p:spPr>
+          <a:xfrm>
+            <a:off x="549844" y="4961466"/>
+            <a:ext cx="4229100" cy="914400"/>
+          </a:xfrm>
+          <a:prstGeom prst="rect">
+            <a:avLst/>
+          </a:prstGeom>
+        </p:spPr>
+      </p:pic>
+      <p:pic>
+        <p:nvPicPr>
+          <p:cNvPr id="8" name="圖片 7" descr="螢幕快照 2013-12-11 下午11.51.45.png"/>
+          <p:cNvPicPr>
+            <a:picLocks noChangeAspect="1"/>
+          </p:cNvPicPr>
+          <p:nvPr/>
+        </p:nvPicPr>
+        <p:blipFill>
+          <a:blip r:embed="rId5">
+            <a:extLst>
+              <a:ext uri="{28A0092B-C50C-407E-A947-70E740481C1C}">
+                <a14:useLocalDpi xmlns:a14="http://schemas.microsoft.com/office/drawing/2010/main" val="0"/>
+              </a:ext>
+            </a:extLst>
+          </a:blip>
+          <a:stretch>
+            <a:fillRect/>
+          </a:stretch>
+        </p:blipFill>
+        <p:spPr>
+          <a:xfrm>
+            <a:off x="5448300" y="4809066"/>
+            <a:ext cx="3327400" cy="1524000"/>
+          </a:xfrm>
+          <a:prstGeom prst="rect">
+            <a:avLst/>
+          </a:prstGeom>
+        </p:spPr>
+      </p:pic>
+    </p:spTree>
+    <p:extLst>
+      <p:ext uri="{BB962C8B-B14F-4D97-AF65-F5344CB8AC3E}">
+        <p14:creationId xmlns:p14="http://schemas.microsoft.com/office/powerpoint/2010/main" val="921923282"/>
+      </p:ext>
+    </p:extLst>
+  </p:cSld>
+  <p:clrMapOvr>
+    <a:masterClrMapping/>
+  </p:clrMapOvr>
+  <p:timing>
+    <p:tnLst>
+      <p:par>
+        <p:cTn xmlns:p14="http://schemas.microsoft.com/office/powerpoint/2010/main" id="1" dur="indefinite" restart="never" nodeType="tmRoot"/>
+      </p:par>
+    </p:tnLst>
+  </p:timing>
+</p:sld>
+</file>
+
+<file path=ppt/slides/slide11.xml><?xml version="1.0" encoding="utf-8"?>
+<p:sld xmlns:a="http://schemas.openxmlformats.org/drawingml/2006/main" xmlns:r="http://schemas.openxmlformats.org/officeDocument/2006/relationships" xmlns:p="http://schemas.openxmlformats.org/presentationml/2006/main">
+  <p:cSld>
+    <p:spTree>
+      <p:nvGrpSpPr>
+        <p:cNvPr id="1" name=""/>
+        <p:cNvGrpSpPr/>
+        <p:nvPr/>
+      </p:nvGrpSpPr>
+      <p:grpSpPr>
+        <a:xfrm>
+          <a:off x="0" y="0"/>
+          <a:ext cx="0" cy="0"/>
+          <a:chOff x="0" y="0"/>
+          <a:chExt cx="0" cy="0"/>
+        </a:xfrm>
+      </p:grpSpPr>
+      <p:pic>
+        <p:nvPicPr>
+          <p:cNvPr id="5" name="圖片 4"/>
+          <p:cNvPicPr>
+            <a:picLocks noChangeAspect="1"/>
+          </p:cNvPicPr>
+          <p:nvPr/>
+        </p:nvPicPr>
+        <p:blipFill>
+          <a:blip r:embed="rId2"/>
+          <a:stretch>
+            <a:fillRect/>
+          </a:stretch>
+        </p:blipFill>
+        <p:spPr>
+          <a:xfrm>
+            <a:off x="2241062" y="0"/>
+            <a:ext cx="6902938" cy="2331608"/>
+          </a:xfrm>
+          <a:prstGeom prst="rect">
+            <a:avLst/>
+          </a:prstGeom>
+        </p:spPr>
+      </p:pic>
+      <p:sp>
+        <p:nvSpPr>
+          <p:cNvPr id="2" name="內容版面配置區 1"/>
+          <p:cNvSpPr>
+            <a:spLocks noGrp="1"/>
+          </p:cNvSpPr>
+          <p:nvPr>
+            <p:ph idx="1"/>
+          </p:nvPr>
+        </p:nvSpPr>
+        <p:spPr>
+          <a:xfrm>
+            <a:off x="1792847" y="1736785"/>
+            <a:ext cx="7544909" cy="987190"/>
+          </a:xfrm>
+        </p:spPr>
+        <p:txBody>
+          <a:bodyPr>
+            <a:normAutofit/>
+          </a:bodyPr>
+          <a:lstStyle/>
+          <a:p>
+            <a:r>
+              <a:rPr kumimoji="1" lang="en-US" altLang="zh-TW" sz="2000" b="1" dirty="0" smtClean="0">
+                <a:latin typeface="Helvetica"/>
+                <a:cs typeface="Helvetica"/>
+              </a:rPr>
+              <a:t>select: * , &gt;= &amp; &lt;=  are supported</a:t>
+            </a:r>
+          </a:p>
+        </p:txBody>
+      </p:sp>
+      <p:pic>
+        <p:nvPicPr>
+          <p:cNvPr id="3" name="圖片 2" descr="螢幕快照 2013-12-11 上午12.06.29.png"/>
+          <p:cNvPicPr>
+            <a:picLocks noChangeAspect="1"/>
+          </p:cNvPicPr>
+          <p:nvPr/>
+        </p:nvPicPr>
+        <p:blipFill>
+          <a:blip r:embed="rId3">
+            <a:extLst>
+              <a:ext uri="{28A0092B-C50C-407E-A947-70E740481C1C}">
+                <a14:useLocalDpi xmlns:a14="http://schemas.microsoft.com/office/drawing/2010/main" val="0"/>
+              </a:ext>
+            </a:extLst>
+          </a:blip>
+          <a:stretch>
+            <a:fillRect/>
+          </a:stretch>
+        </p:blipFill>
+        <p:spPr>
+          <a:xfrm>
+            <a:off x="2878932" y="2331608"/>
+            <a:ext cx="4286189" cy="4426720"/>
+          </a:xfrm>
+          <a:prstGeom prst="rect">
+            <a:avLst/>
+          </a:prstGeom>
+        </p:spPr>
+      </p:pic>
+    </p:spTree>
+    <p:extLst>
+      <p:ext uri="{BB962C8B-B14F-4D97-AF65-F5344CB8AC3E}">
+        <p14:creationId xmlns:p14="http://schemas.microsoft.com/office/powerpoint/2010/main" val="2672304667"/>
+      </p:ext>
+    </p:extLst>
+  </p:cSld>
+  <p:clrMapOvr>
+    <a:masterClrMapping/>
+  </p:clrMapOvr>
+  <p:timing>
+    <p:tnLst>
+      <p:par>
+        <p:cTn xmlns:p14="http://schemas.microsoft.com/office/powerpoint/2010/main" id="1" dur="indefinite" restart="never" nodeType="tmRoot"/>
+      </p:par>
+    </p:tnLst>
+  </p:timing>
+</p:sld>
+</file>
+
+<file path=ppt/slides/slide12.xml><?xml version="1.0" encoding="utf-8"?>
+<p:sld xmlns:a="http://schemas.openxmlformats.org/drawingml/2006/main" xmlns:r="http://schemas.openxmlformats.org/officeDocument/2006/relationships" xmlns:p="http://schemas.openxmlformats.org/presentationml/2006/main">
+  <p:cSld>
+    <p:spTree>
+      <p:nvGrpSpPr>
+        <p:cNvPr id="1" name=""/>
+        <p:cNvGrpSpPr/>
+        <p:nvPr/>
+      </p:nvGrpSpPr>
+      <p:grpSpPr>
+        <a:xfrm>
+          <a:off x="0" y="0"/>
+          <a:ext cx="0" cy="0"/>
+          <a:chOff x="0" y="0"/>
+          <a:chExt cx="0" cy="0"/>
+        </a:xfrm>
+      </p:grpSpPr>
+      <p:pic>
+        <p:nvPicPr>
+          <p:cNvPr id="5" name="圖片 4"/>
+          <p:cNvPicPr>
+            <a:picLocks noChangeAspect="1"/>
+          </p:cNvPicPr>
+          <p:nvPr/>
+        </p:nvPicPr>
+        <p:blipFill>
+          <a:blip r:embed="rId2"/>
+          <a:stretch>
+            <a:fillRect/>
+          </a:stretch>
+        </p:blipFill>
+        <p:spPr>
+          <a:xfrm>
+            <a:off x="2241062" y="0"/>
+            <a:ext cx="6902938" cy="2331608"/>
+          </a:xfrm>
+          <a:prstGeom prst="rect">
+            <a:avLst/>
+          </a:prstGeom>
+        </p:spPr>
+      </p:pic>
+      <p:sp>
+        <p:nvSpPr>
+          <p:cNvPr id="2" name="內容版面配置區 1"/>
+          <p:cNvSpPr>
+            <a:spLocks noGrp="1"/>
+          </p:cNvSpPr>
+          <p:nvPr>
+            <p:ph idx="1"/>
+          </p:nvPr>
+        </p:nvSpPr>
+        <p:spPr>
+          <a:xfrm>
+            <a:off x="1792847" y="1669937"/>
+            <a:ext cx="7544909" cy="987190"/>
+          </a:xfrm>
+        </p:spPr>
+        <p:txBody>
+          <a:bodyPr>
+            <a:normAutofit/>
+          </a:bodyPr>
+          <a:lstStyle/>
+          <a:p>
+            <a:r>
+              <a:rPr kumimoji="1" lang="en-US" altLang="zh-TW" sz="2000" b="1" dirty="0" smtClean="0">
+                <a:latin typeface="Helvetica"/>
+                <a:cs typeface="Helvetica"/>
+              </a:rPr>
+              <a:t>select: multiple column</a:t>
+            </a:r>
+            <a:r>
+              <a:rPr kumimoji="1" lang="en-US" altLang="zh-TW" sz="2000" b="1" dirty="0">
+                <a:latin typeface="Helvetica"/>
+                <a:cs typeface="Helvetica"/>
+              </a:rPr>
+              <a:t> </a:t>
+            </a:r>
+            <a:r>
+              <a:rPr kumimoji="1" lang="en-US" altLang="zh-TW" sz="2000" b="1" dirty="0" smtClean="0">
+                <a:latin typeface="Helvetica"/>
+                <a:cs typeface="Helvetica"/>
+              </a:rPr>
+              <a:t>with random spaces  are supported</a:t>
+            </a:r>
+          </a:p>
+        </p:txBody>
+      </p:sp>
+      <p:pic>
+        <p:nvPicPr>
+          <p:cNvPr id="4" name="圖片 3" descr="螢幕快照 2013-12-11 上午12.08.49.png"/>
+          <p:cNvPicPr>
+            <a:picLocks noChangeAspect="1"/>
+          </p:cNvPicPr>
+          <p:nvPr/>
+        </p:nvPicPr>
+        <p:blipFill>
+          <a:blip r:embed="rId3">
+            <a:extLst>
+              <a:ext uri="{28A0092B-C50C-407E-A947-70E740481C1C}">
+                <a14:useLocalDpi xmlns:a14="http://schemas.microsoft.com/office/drawing/2010/main" val="0"/>
+              </a:ext>
+            </a:extLst>
+          </a:blip>
+          <a:stretch>
+            <a:fillRect/>
+          </a:stretch>
+        </p:blipFill>
+        <p:spPr>
+          <a:xfrm>
+            <a:off x="1792847" y="2331608"/>
+            <a:ext cx="7226300" cy="4330700"/>
+          </a:xfrm>
+          <a:prstGeom prst="rect">
+            <a:avLst/>
+          </a:prstGeom>
+        </p:spPr>
+      </p:pic>
+    </p:spTree>
+    <p:extLst>
+      <p:ext uri="{BB962C8B-B14F-4D97-AF65-F5344CB8AC3E}">
+        <p14:creationId xmlns:p14="http://schemas.microsoft.com/office/powerpoint/2010/main" val="2863402837"/>
+      </p:ext>
+    </p:extLst>
+  </p:cSld>
+  <p:clrMapOvr>
+    <a:masterClrMapping/>
+  </p:clrMapOvr>
+  <p:timing>
+    <p:tnLst>
+      <p:par>
+        <p:cTn xmlns:p14="http://schemas.microsoft.com/office/powerpoint/2010/main" id="1" dur="indefinite" restart="never" nodeType="tmRoot"/>
+      </p:par>
+    </p:tnLst>
+  </p:timing>
+</p:sld>
+</file>
+
+<file path=ppt/slides/slide13.xml><?xml version="1.0" encoding="utf-8"?>
+<p:sld xmlns:a="http://schemas.openxmlformats.org/drawingml/2006/main" xmlns:r="http://schemas.openxmlformats.org/officeDocument/2006/relationships" xmlns:p="http://schemas.openxmlformats.org/presentationml/2006/main">
+  <p:cSld>
+    <p:spTree>
+      <p:nvGrpSpPr>
+        <p:cNvPr id="1" name=""/>
+        <p:cNvGrpSpPr/>
+        <p:nvPr/>
+      </p:nvGrpSpPr>
+      <p:grpSpPr>
+        <a:xfrm>
+          <a:off x="0" y="0"/>
+          <a:ext cx="0" cy="0"/>
+          <a:chOff x="0" y="0"/>
+          <a:chExt cx="0" cy="0"/>
+        </a:xfrm>
+      </p:grpSpPr>
+      <p:pic>
+        <p:nvPicPr>
+          <p:cNvPr id="5" name="圖片 4"/>
+          <p:cNvPicPr>
+            <a:picLocks noChangeAspect="1"/>
+          </p:cNvPicPr>
+          <p:nvPr/>
+        </p:nvPicPr>
+        <p:blipFill>
+          <a:blip r:embed="rId2"/>
+          <a:stretch>
+            <a:fillRect/>
+          </a:stretch>
+        </p:blipFill>
+        <p:spPr>
+          <a:xfrm>
+            <a:off x="2241062" y="0"/>
+            <a:ext cx="6902938" cy="2331608"/>
+          </a:xfrm>
+          <a:prstGeom prst="rect">
+            <a:avLst/>
+          </a:prstGeom>
+        </p:spPr>
+      </p:pic>
+      <p:sp>
+        <p:nvSpPr>
+          <p:cNvPr id="2" name="內容版面配置區 1"/>
+          <p:cNvSpPr>
+            <a:spLocks noGrp="1"/>
+          </p:cNvSpPr>
+          <p:nvPr>
+            <p:ph idx="1"/>
+          </p:nvPr>
+        </p:nvSpPr>
+        <p:spPr>
+          <a:xfrm>
+            <a:off x="1792847" y="1736785"/>
+            <a:ext cx="7544909" cy="987190"/>
+          </a:xfrm>
+        </p:spPr>
+        <p:txBody>
+          <a:bodyPr>
+            <a:normAutofit/>
+          </a:bodyPr>
+          <a:lstStyle/>
+          <a:p>
+            <a:r>
+              <a:rPr kumimoji="1" lang="en-US" altLang="zh-TW" sz="2000" b="1" dirty="0" smtClean="0">
+                <a:latin typeface="Helvetica"/>
+                <a:cs typeface="Helvetica"/>
+              </a:rPr>
+              <a:t>Upper and lower cases all supported</a:t>
+            </a:r>
+          </a:p>
+        </p:txBody>
+      </p:sp>
+      <p:pic>
+        <p:nvPicPr>
+          <p:cNvPr id="3" name="圖片 2" descr="螢幕快照 2013-12-11 上午12.10.04.png"/>
+          <p:cNvPicPr>
+            <a:picLocks noChangeAspect="1"/>
+          </p:cNvPicPr>
+          <p:nvPr/>
+        </p:nvPicPr>
+        <p:blipFill>
+          <a:blip r:embed="rId3">
+            <a:extLst>
+              <a:ext uri="{28A0092B-C50C-407E-A947-70E740481C1C}">
+                <a14:useLocalDpi xmlns:a14="http://schemas.microsoft.com/office/drawing/2010/main" val="0"/>
+              </a:ext>
+            </a:extLst>
+          </a:blip>
+          <a:stretch>
+            <a:fillRect/>
+          </a:stretch>
+        </p:blipFill>
+        <p:spPr>
+          <a:xfrm>
+            <a:off x="2241062" y="2548727"/>
+            <a:ext cx="6197600" cy="2997200"/>
+          </a:xfrm>
+          <a:prstGeom prst="rect">
+            <a:avLst/>
+          </a:prstGeom>
+        </p:spPr>
+      </p:pic>
+    </p:spTree>
+    <p:extLst>
+      <p:ext uri="{BB962C8B-B14F-4D97-AF65-F5344CB8AC3E}">
+        <p14:creationId xmlns:p14="http://schemas.microsoft.com/office/powerpoint/2010/main" val="2194056072"/>
+      </p:ext>
+    </p:extLst>
+  </p:cSld>
+  <p:clrMapOvr>
+    <a:masterClrMapping/>
+  </p:clrMapOvr>
+  <p:timing>
+    <p:tnLst>
+      <p:par>
+        <p:cTn xmlns:p14="http://schemas.microsoft.com/office/powerpoint/2010/main" id="1" dur="indefinite" restart="never" nodeType="tmRoot"/>
+      </p:par>
+    </p:tnLst>
+  </p:timing>
+</p:sld>
+</file>
+
+<file path=ppt/slides/slide14.xml><?xml version="1.0" encoding="utf-8"?>
+<p:sld xmlns:a="http://schemas.openxmlformats.org/drawingml/2006/main" xmlns:r="http://schemas.openxmlformats.org/officeDocument/2006/relationships" xmlns:p="http://schemas.openxmlformats.org/presentationml/2006/main">
+  <p:cSld>
+    <p:spTree>
+      <p:nvGrpSpPr>
+        <p:cNvPr id="1" name=""/>
+        <p:cNvGrpSpPr/>
+        <p:nvPr/>
+      </p:nvGrpSpPr>
+      <p:grpSpPr>
+        <a:xfrm>
+          <a:off x="0" y="0"/>
+          <a:ext cx="0" cy="0"/>
+          <a:chOff x="0" y="0"/>
+          <a:chExt cx="0" cy="0"/>
+        </a:xfrm>
+      </p:grpSpPr>
+      <p:pic>
+        <p:nvPicPr>
+          <p:cNvPr id="5" name="圖片 4"/>
+          <p:cNvPicPr>
+            <a:picLocks noChangeAspect="1"/>
+          </p:cNvPicPr>
+          <p:nvPr/>
+        </p:nvPicPr>
+        <p:blipFill>
+          <a:blip r:embed="rId2"/>
+          <a:stretch>
+            <a:fillRect/>
+          </a:stretch>
+        </p:blipFill>
+        <p:spPr>
+          <a:xfrm>
+            <a:off x="2241062" y="0"/>
+            <a:ext cx="6902938" cy="2331608"/>
+          </a:xfrm>
+          <a:prstGeom prst="rect">
+            <a:avLst/>
+          </a:prstGeom>
+        </p:spPr>
+      </p:pic>
+      <p:sp>
+        <p:nvSpPr>
+          <p:cNvPr id="2" name="內容版面配置區 1"/>
+          <p:cNvSpPr>
+            <a:spLocks noGrp="1"/>
+          </p:cNvSpPr>
+          <p:nvPr>
+            <p:ph idx="1"/>
+          </p:nvPr>
+        </p:nvSpPr>
+        <p:spPr>
+          <a:xfrm>
+            <a:off x="1792847" y="2020888"/>
+            <a:ext cx="7544909" cy="4514987"/>
+          </a:xfrm>
+        </p:spPr>
+        <p:txBody>
+          <a:bodyPr>
+            <a:normAutofit/>
+          </a:bodyPr>
+          <a:lstStyle/>
+          <a:p>
+            <a:pPr marL="0" indent="0">
+              <a:buNone/>
+            </a:pPr>
+            <a:r>
+              <a:rPr kumimoji="1" lang="en-US" altLang="zh-TW" sz="2800" b="1" dirty="0" smtClean="0"/>
+              <a:t>Future Work:</a:t>
+            </a:r>
+          </a:p>
+          <a:p>
+            <a:r>
+              <a:rPr kumimoji="1" lang="en-US" altLang="zh-TW" sz="2000" b="1" dirty="0" smtClean="0">
+                <a:latin typeface="Helvetica"/>
+                <a:ea typeface="Apple LiGothic Medium"/>
+                <a:cs typeface="Helvetica"/>
+              </a:rPr>
+              <a:t>UI</a:t>
+            </a:r>
+          </a:p>
+          <a:p>
+            <a:r>
+              <a:rPr kumimoji="1" lang="en-US" altLang="zh-TW" sz="2000" b="1" dirty="0" smtClean="0">
+                <a:latin typeface="Helvetica"/>
+                <a:ea typeface="Apple LiGothic Medium"/>
+                <a:cs typeface="Helvetica"/>
+              </a:rPr>
+              <a:t>Select Nest Construct </a:t>
+            </a:r>
+          </a:p>
+          <a:p>
+            <a:r>
+              <a:rPr kumimoji="1" lang="en-US" altLang="zh-TW" sz="2000" b="1" dirty="0" smtClean="0">
+                <a:latin typeface="Helvetica"/>
+                <a:ea typeface="Apple LiGothic Medium"/>
+                <a:cs typeface="Helvetica"/>
+              </a:rPr>
+              <a:t>More debug info</a:t>
+            </a:r>
+          </a:p>
+          <a:p>
+            <a:pPr marL="0" indent="0">
+              <a:buNone/>
+            </a:pPr>
+            <a:endParaRPr kumimoji="1" lang="zh-TW" altLang="en-US" sz="2000" b="1" dirty="0">
+              <a:latin typeface="Helvetica"/>
+              <a:ea typeface="Apple LiGothic Medium"/>
+              <a:cs typeface="Helvetica"/>
+            </a:endParaRPr>
+          </a:p>
+        </p:txBody>
+      </p:sp>
+    </p:spTree>
+    <p:extLst>
+      <p:ext uri="{BB962C8B-B14F-4D97-AF65-F5344CB8AC3E}">
+        <p14:creationId xmlns:p14="http://schemas.microsoft.com/office/powerpoint/2010/main" val="3950073511"/>
+      </p:ext>
+    </p:extLst>
+  </p:cSld>
+  <p:clrMapOvr>
+    <a:masterClrMapping/>
+  </p:clrMapOvr>
+  <p:timing>
+    <p:tnLst>
+      <p:par>
+        <p:cTn xmlns:p14="http://schemas.microsoft.com/office/powerpoint/2010/main" id="1" dur="indefinite" restart="never" nodeType="tmRoot"/>
+      </p:par>
+    </p:tnLst>
+  </p:timing>
+</p:sld>
+</file>
+
 <file path=ppt/slides/slide2.xml><?xml version="1.0" encoding="utf-8"?>
 <p:sld xmlns:a="http://schemas.openxmlformats.org/drawingml/2006/main" xmlns:r="http://schemas.openxmlformats.org/officeDocument/2006/relationships" xmlns:p="http://schemas.openxmlformats.org/presentationml/2006/main">
   <p:cSld>
@@ -8828,7 +9789,7 @@
       </p:pic>
       <p:sp>
         <p:nvSpPr>
-          <p:cNvPr id="2" name="內容版面配置區 1"/>
+          <p:cNvPr id="6" name="內容版面配置區 5"/>
           <p:cNvSpPr>
             <a:spLocks noGrp="1"/>
           </p:cNvSpPr>
@@ -8838,8 +9799,8 @@
         </p:nvSpPr>
         <p:spPr>
           <a:xfrm>
-            <a:off x="2619375" y="2020888"/>
-            <a:ext cx="6524625" cy="4105275"/>
+            <a:off x="2906084" y="1613012"/>
+            <a:ext cx="6016521" cy="4105275"/>
           </a:xfrm>
         </p:spPr>
         <p:txBody>
@@ -8851,152 +9812,68 @@
             <a:r>
               <a:rPr kumimoji="1" lang="en-US" altLang="zh-TW" sz="2400" b="1" dirty="0" smtClean="0">
                 <a:latin typeface="Helvetica"/>
+                <a:ea typeface="Apple LiGothic Medium"/>
                 <a:cs typeface="Helvetica"/>
               </a:rPr>
-              <a:t>help: show all commands</a:t>
-            </a:r>
-          </a:p>
-          <a:p>
-            <a:r>
-              <a:rPr kumimoji="1" lang="en-US" altLang="zh-TW" sz="2400" b="1" dirty="0">
+              <a:t>Python </a:t>
+            </a:r>
+            <a:r>
+              <a:rPr kumimoji="1" lang="en-US" altLang="zh-TW" sz="2400" b="1" dirty="0" err="1" smtClean="0">
                 <a:latin typeface="Helvetica"/>
+                <a:ea typeface="Apple LiGothic Medium"/>
                 <a:cs typeface="Helvetica"/>
               </a:rPr>
-              <a:t>r</a:t>
+              <a:t>CmdModule</a:t>
             </a:r>
             <a:r>
               <a:rPr kumimoji="1" lang="en-US" altLang="zh-TW" sz="2400" b="1" dirty="0" smtClean="0">
                 <a:latin typeface="Helvetica"/>
+                <a:ea typeface="Apple LiGothic Medium"/>
                 <a:cs typeface="Helvetica"/>
               </a:rPr>
-              <a:t>egister: user login account</a:t>
-            </a:r>
-          </a:p>
-          <a:p>
-            <a:r>
-              <a:rPr kumimoji="1" lang="en-US" altLang="zh-TW" sz="2400" b="1" dirty="0">
-                <a:latin typeface="Helvetica"/>
-                <a:cs typeface="Helvetica"/>
-              </a:rPr>
-              <a:t>s</a:t>
-            </a:r>
-            <a:r>
-              <a:rPr kumimoji="1" lang="en-US" altLang="zh-TW" sz="2400" b="1" dirty="0" smtClean="0">
-                <a:latin typeface="Helvetica"/>
-                <a:cs typeface="Helvetica"/>
-              </a:rPr>
-              <a:t>how: show all databases / tables</a:t>
-            </a:r>
-          </a:p>
-          <a:p>
-            <a:r>
-              <a:rPr kumimoji="1" lang="en-US" altLang="zh-TW" sz="2400" b="1" dirty="0" err="1">
-                <a:latin typeface="Helvetica"/>
-                <a:cs typeface="Helvetica"/>
-              </a:rPr>
-              <a:t>h</a:t>
-            </a:r>
-            <a:r>
-              <a:rPr kumimoji="1" lang="en-US" altLang="zh-TW" sz="2400" b="1" dirty="0" err="1" smtClean="0">
-                <a:latin typeface="Helvetica"/>
-                <a:cs typeface="Helvetica"/>
-              </a:rPr>
-              <a:t>ist</a:t>
-            </a:r>
-            <a:r>
-              <a:rPr kumimoji="1" lang="en-US" altLang="zh-TW" sz="2400" b="1" dirty="0" smtClean="0">
-                <a:latin typeface="Helvetica"/>
-                <a:cs typeface="Helvetica"/>
-              </a:rPr>
-              <a:t>: see the history</a:t>
-            </a:r>
-          </a:p>
-          <a:p>
-            <a:r>
-              <a:rPr kumimoji="1" lang="en-US" altLang="zh-TW" sz="2400" b="1" dirty="0">
-                <a:latin typeface="Helvetica"/>
-                <a:cs typeface="Helvetica"/>
-              </a:rPr>
-              <a:t>u</a:t>
-            </a:r>
-            <a:r>
-              <a:rPr kumimoji="1" lang="en-US" altLang="zh-TW" sz="2400" b="1" dirty="0" smtClean="0">
-                <a:latin typeface="Helvetica"/>
-                <a:cs typeface="Helvetica"/>
-              </a:rPr>
-              <a:t>se: choose DB</a:t>
-            </a:r>
-          </a:p>
-          <a:p>
-            <a:r>
-              <a:rPr kumimoji="1" lang="en-US" altLang="zh-TW" sz="2400" b="1" dirty="0">
-                <a:latin typeface="Helvetica"/>
-                <a:cs typeface="Helvetica"/>
-              </a:rPr>
-              <a:t>e</a:t>
-            </a:r>
-            <a:r>
-              <a:rPr kumimoji="1" lang="en-US" altLang="zh-TW" sz="2400" b="1" dirty="0" smtClean="0">
-                <a:latin typeface="Helvetica"/>
-                <a:cs typeface="Helvetica"/>
-              </a:rPr>
-              <a:t>xit: exit </a:t>
-            </a:r>
-            <a:r>
-              <a:rPr kumimoji="1" lang="en-US" altLang="zh-TW" sz="2400" b="1" dirty="0" err="1" smtClean="0">
-                <a:latin typeface="Helvetica"/>
-                <a:cs typeface="Helvetica"/>
-              </a:rPr>
-              <a:t>PySQL</a:t>
-            </a:r>
-            <a:endParaRPr kumimoji="1" lang="en-US" altLang="zh-TW" sz="2400" b="1" dirty="0" smtClean="0">
+              <a:t> --- self made CLI</a:t>
+            </a:r>
+            <a:endParaRPr kumimoji="1" lang="zh-TW" altLang="en-US" sz="2400" b="1" dirty="0">
               <a:latin typeface="Helvetica"/>
               <a:cs typeface="Helvetica"/>
             </a:endParaRPr>
           </a:p>
-          <a:p>
-            <a:r>
-              <a:rPr kumimoji="1" lang="en-US" altLang="zh-TW" sz="2400" b="1" dirty="0" smtClean="0">
-                <a:latin typeface="Helvetica"/>
-                <a:cs typeface="Helvetica"/>
-              </a:rPr>
-              <a:t>Other command</a:t>
-            </a:r>
-            <a:r>
-              <a:rPr kumimoji="1" lang="en-US" altLang="zh-TW" sz="2400" b="1" dirty="0">
-                <a:latin typeface="Helvetica"/>
-                <a:cs typeface="Helvetica"/>
-              </a:rPr>
-              <a:t>: ‘*** Unknown syntax</a:t>
-            </a:r>
-            <a:r>
-              <a:rPr kumimoji="1" lang="en-US" altLang="zh-TW" sz="2400" b="1">
-                <a:latin typeface="Helvetica"/>
-                <a:cs typeface="Helvetica"/>
-              </a:rPr>
-              <a:t>: </a:t>
-            </a:r>
-            <a:r>
-              <a:rPr kumimoji="1" lang="en-US" altLang="zh-TW" sz="2400" b="1" smtClean="0">
-                <a:latin typeface="Helvetica"/>
-                <a:cs typeface="Helvetica"/>
-              </a:rPr>
-              <a:t>’</a:t>
-            </a:r>
-            <a:endParaRPr kumimoji="1" lang="en-US" altLang="zh-TW" sz="2400" b="1" dirty="0" smtClean="0">
-              <a:latin typeface="Helvetica"/>
-              <a:cs typeface="Helvetica"/>
-            </a:endParaRPr>
-          </a:p>
-          <a:p>
-            <a:endParaRPr kumimoji="1" lang="zh-TW" altLang="en-US" dirty="0"/>
-          </a:p>
-        </p:txBody>
-      </p:sp>
+        </p:txBody>
+      </p:sp>
+      <p:pic>
+        <p:nvPicPr>
+          <p:cNvPr id="2" name="圖片 1" descr="螢幕快照 2013-12-11 上午12.11.59.png"/>
+          <p:cNvPicPr>
+            <a:picLocks noChangeAspect="1"/>
+          </p:cNvPicPr>
+          <p:nvPr/>
+        </p:nvPicPr>
+        <p:blipFill>
+          <a:blip r:embed="rId3">
+            <a:extLst>
+              <a:ext uri="{28A0092B-C50C-407E-A947-70E740481C1C}">
+                <a14:useLocalDpi xmlns:a14="http://schemas.microsoft.com/office/drawing/2010/main" val="0"/>
+              </a:ext>
+            </a:extLst>
+          </a:blip>
+          <a:stretch>
+            <a:fillRect/>
+          </a:stretch>
+        </p:blipFill>
+        <p:spPr>
+          <a:xfrm>
+            <a:off x="2420205" y="2331608"/>
+            <a:ext cx="6502400" cy="4305300"/>
+          </a:xfrm>
+          <a:prstGeom prst="rect">
+            <a:avLst/>
+          </a:prstGeom>
+        </p:spPr>
+      </p:pic>
     </p:spTree>
     <p:extLst>
       <p:ext uri="{BB962C8B-B14F-4D97-AF65-F5344CB8AC3E}">
-        <p14:creationId xmlns:p14="http://schemas.microsoft.com/office/powerpoint/2010/main" val="1655375196"/>
+        <p14:creationId xmlns:p14="http://schemas.microsoft.com/office/powerpoint/2010/main" val="3480851978"/>
       </p:ext>
     </p:extLst>
   </p:cSld>
@@ -9066,56 +9943,93 @@
         </p:nvSpPr>
         <p:spPr>
           <a:xfrm>
-            <a:off x="1792847" y="2020888"/>
-            <a:ext cx="7544909" cy="4514987"/>
+            <a:off x="2619375" y="2020888"/>
+            <a:ext cx="6524625" cy="4105275"/>
           </a:xfrm>
         </p:spPr>
         <p:txBody>
           <a:bodyPr>
-            <a:normAutofit fontScale="85000" lnSpcReduction="20000"/>
+            <a:normAutofit fontScale="92500" lnSpcReduction="20000"/>
           </a:bodyPr>
           <a:lstStyle/>
+          <a:p>
+            <a:r>
+              <a:rPr kumimoji="1" lang="en-US" altLang="zh-TW" sz="2400" b="1" dirty="0" smtClean="0">
+                <a:latin typeface="Helvetica"/>
+                <a:cs typeface="Helvetica"/>
+              </a:rPr>
+              <a:t>help: show all commands</a:t>
+            </a:r>
+          </a:p>
           <a:p>
             <a:r>
               <a:rPr kumimoji="1" lang="en-US" altLang="zh-TW" sz="2400" b="1" dirty="0">
                 <a:latin typeface="Helvetica"/>
                 <a:cs typeface="Helvetica"/>
               </a:rPr>
-              <a:t>l</a:t>
+              <a:t>r</a:t>
             </a:r>
             <a:r>
               <a:rPr kumimoji="1" lang="en-US" altLang="zh-TW" sz="2400" b="1" dirty="0" smtClean="0">
                 <a:latin typeface="Helvetica"/>
                 <a:cs typeface="Helvetica"/>
               </a:rPr>
-              <a:t>ogin &amp; logout</a:t>
-            </a:r>
-          </a:p>
-          <a:p>
+              <a:t>egister: user login account</a:t>
+            </a:r>
+          </a:p>
+          <a:p>
+            <a:r>
+              <a:rPr kumimoji="1" lang="en-US" altLang="zh-TW" sz="2400" b="1" dirty="0">
+                <a:latin typeface="Helvetica"/>
+                <a:cs typeface="Helvetica"/>
+              </a:rPr>
+              <a:t>s</a:t>
+            </a:r>
             <a:r>
               <a:rPr kumimoji="1" lang="en-US" altLang="zh-TW" sz="2400" b="1" dirty="0" smtClean="0">
                 <a:latin typeface="Helvetica"/>
                 <a:cs typeface="Helvetica"/>
               </a:rPr>
-              <a:t>define</a:t>
-            </a:r>
-          </a:p>
-          <a:p>
+              <a:t>how: show all databases / tables</a:t>
+            </a:r>
+          </a:p>
+          <a:p>
+            <a:r>
+              <a:rPr kumimoji="1" lang="en-US" altLang="zh-TW" sz="2400" b="1" dirty="0" err="1">
+                <a:latin typeface="Helvetica"/>
+                <a:cs typeface="Helvetica"/>
+              </a:rPr>
+              <a:t>h</a:t>
+            </a:r>
+            <a:r>
+              <a:rPr kumimoji="1" lang="en-US" altLang="zh-TW" sz="2400" b="1" dirty="0" err="1" smtClean="0">
+                <a:latin typeface="Helvetica"/>
+                <a:cs typeface="Helvetica"/>
+              </a:rPr>
+              <a:t>ist</a:t>
+            </a:r>
             <a:r>
               <a:rPr kumimoji="1" lang="en-US" altLang="zh-TW" sz="2400" b="1" dirty="0" smtClean="0">
                 <a:latin typeface="Helvetica"/>
                 <a:cs typeface="Helvetica"/>
               </a:rPr>
-              <a:t>set: must finish define first</a:t>
-            </a:r>
-          </a:p>
-          <a:p>
+              <a:t>: see the history</a:t>
+            </a:r>
+          </a:p>
+          <a:p>
+            <a:r>
+              <a:rPr kumimoji="1" lang="en-US" altLang="zh-TW" sz="2400" b="1" dirty="0">
+                <a:latin typeface="Helvetica"/>
+                <a:cs typeface="Helvetica"/>
+              </a:rPr>
+              <a:t>u</a:t>
+            </a:r>
             <a:r>
               <a:rPr kumimoji="1" lang="en-US" altLang="zh-TW" sz="2400" b="1" dirty="0" smtClean="0">
                 <a:latin typeface="Helvetica"/>
                 <a:cs typeface="Helvetica"/>
               </a:rPr>
-              <a:t>create: table or DB</a:t>
+              <a:t>se: choose DB</a:t>
             </a:r>
           </a:p>
           <a:p>
@@ -9124,15 +10038,26 @@
                 <a:latin typeface="Helvetica"/>
                 <a:cs typeface="Helvetica"/>
               </a:rPr>
-              <a:t>i</a:t>
+              <a:t>e</a:t>
             </a:r>
             <a:r>
               <a:rPr kumimoji="1" lang="en-US" altLang="zh-TW" sz="2400" b="1" dirty="0" smtClean="0">
                 <a:latin typeface="Helvetica"/>
                 <a:cs typeface="Helvetica"/>
               </a:rPr>
-              <a:t>nsert</a:t>
-            </a:r>
+              <a:t>xit: exit </a:t>
+            </a:r>
+            <a:r>
+              <a:rPr kumimoji="1" lang="en-US" altLang="zh-TW" sz="2400" b="1" dirty="0" err="1" smtClean="0">
+                <a:latin typeface="Helvetica"/>
+                <a:cs typeface="Helvetica"/>
+              </a:rPr>
+              <a:t>PySQL</a:t>
+            </a:r>
+            <a:endParaRPr kumimoji="1" lang="en-US" altLang="zh-TW" sz="2400" b="1" dirty="0" smtClean="0">
+              <a:latin typeface="Helvetica"/>
+              <a:cs typeface="Helvetica"/>
+            </a:endParaRPr>
           </a:p>
           <a:p>
             <a:r>
@@ -9140,51 +10065,74 @@
                 <a:latin typeface="Helvetica"/>
                 <a:cs typeface="Helvetica"/>
               </a:rPr>
-              <a:t>select: multiple column, spaces, * , &gt;= &amp; &lt;=  are        	   	   supported</a:t>
-            </a:r>
-          </a:p>
-          <a:p>
+              <a:t>All with error message</a:t>
+            </a:r>
+          </a:p>
+          <a:p>
+            <a:pPr marL="0" indent="0">
+              <a:buNone/>
+            </a:pPr>
             <a:r>
               <a:rPr kumimoji="1" lang="en-US" altLang="zh-TW" sz="2400" b="1" dirty="0" smtClean="0">
                 <a:latin typeface="Helvetica"/>
                 <a:cs typeface="Helvetica"/>
               </a:rPr>
-              <a:t>delete</a:t>
-            </a:r>
-          </a:p>
-          <a:p>
+              <a:t>Ex. Other command</a:t>
+            </a:r>
+            <a:r>
+              <a:rPr kumimoji="1" lang="en-US" altLang="zh-TW" sz="2400" b="1" dirty="0">
+                <a:latin typeface="Helvetica"/>
+                <a:cs typeface="Helvetica"/>
+              </a:rPr>
+              <a:t>: ‘*** Unknown syntax: </a:t>
+            </a:r>
             <a:r>
               <a:rPr kumimoji="1" lang="en-US" altLang="zh-TW" sz="2400" b="1" dirty="0" smtClean="0">
                 <a:latin typeface="Helvetica"/>
                 <a:cs typeface="Helvetica"/>
               </a:rPr>
-              <a:t>update</a:t>
-            </a:r>
-          </a:p>
-          <a:p>
-            <a:r>
-              <a:rPr kumimoji="1" lang="en-US" altLang="zh-TW" sz="2400" b="1" dirty="0" smtClean="0">
-                <a:latin typeface="Helvetica"/>
-                <a:cs typeface="Helvetica"/>
-              </a:rPr>
-              <a:t>Upper and Lower case are all supported</a:t>
-            </a:r>
-          </a:p>
-          <a:p>
-            <a:endParaRPr kumimoji="1" lang="en-US" altLang="zh-TW" sz="2400" b="1" dirty="0" smtClean="0">
-              <a:latin typeface="Helvetica"/>
-              <a:cs typeface="Helvetica"/>
-            </a:endParaRPr>
+              <a:t>’</a:t>
+            </a:r>
           </a:p>
           <a:p>
             <a:endParaRPr kumimoji="1" lang="zh-TW" altLang="en-US" dirty="0"/>
           </a:p>
         </p:txBody>
       </p:sp>
+      <p:pic>
+        <p:nvPicPr>
+          <p:cNvPr id="3" name="圖片 2" descr="螢幕快照 2013-12-10 下午4.13.51.png"/>
+          <p:cNvPicPr>
+            <a:picLocks noChangeAspect="1"/>
+          </p:cNvPicPr>
+          <p:nvPr/>
+        </p:nvPicPr>
+        <p:blipFill>
+          <a:blip r:embed="rId3">
+            <a:extLst>
+              <a:ext uri="{28A0092B-C50C-407E-A947-70E740481C1C}">
+                <a14:useLocalDpi xmlns:a14="http://schemas.microsoft.com/office/drawing/2010/main" val="0"/>
+              </a:ext>
+            </a:extLst>
+          </a:blip>
+          <a:stretch>
+            <a:fillRect/>
+          </a:stretch>
+        </p:blipFill>
+        <p:spPr>
+          <a:xfrm>
+            <a:off x="3238499" y="6030912"/>
+            <a:ext cx="4153669" cy="731837"/>
+          </a:xfrm>
+          <a:prstGeom prst="rect">
+            <a:avLst/>
+          </a:prstGeom>
+        </p:spPr>
+      </p:pic>
     </p:spTree>
     <p:extLst>
       <p:ext uri="{BB962C8B-B14F-4D97-AF65-F5344CB8AC3E}">
-        <p14:creationId xmlns:p14="http://schemas.microsoft.com/office/powerpoint/2010/main" val="3528864367"/>
+        <p14:creationId xmlns:p14="http://schemas.microsoft.com/office/powerpoint/2010/main" val="1655375196"/>
       </p:ext>
     </p:extLst>
   </p:cSld>
@@ -9254,8 +10202,8 @@
         </p:nvSpPr>
         <p:spPr>
           <a:xfrm>
-            <a:off x="1792847" y="2020888"/>
-            <a:ext cx="7544909" cy="4514987"/>
+            <a:off x="2619375" y="2020889"/>
+            <a:ext cx="6524625" cy="646112"/>
           </a:xfrm>
         </p:spPr>
         <p:txBody>
@@ -9264,70 +10212,1109 @@
           </a:bodyPr>
           <a:lstStyle/>
           <a:p>
-            <a:pPr marL="0" indent="0">
-              <a:buNone/>
-            </a:pPr>
-            <a:r>
-              <a:rPr kumimoji="1" lang="en-US" altLang="zh-TW" sz="2800" b="1" dirty="0" smtClean="0"/>
-              <a:t>Future Work:</a:t>
-            </a:r>
-          </a:p>
-          <a:p>
-            <a:r>
-              <a:rPr kumimoji="1" lang="en-US" altLang="zh-TW" sz="2000" b="1" dirty="0" smtClean="0">
+            <a:r>
+              <a:rPr kumimoji="1" lang="en-US" altLang="zh-TW" sz="2400" b="1" dirty="0" smtClean="0">
                 <a:latin typeface="Helvetica"/>
-                <a:ea typeface="Apple LiGothic Medium"/>
                 <a:cs typeface="Helvetica"/>
               </a:rPr>
-              <a:t>UI</a:t>
-            </a:r>
-          </a:p>
-          <a:p>
-            <a:r>
-              <a:rPr kumimoji="1" lang="en-US" altLang="zh-TW" sz="2000" b="1" dirty="0" smtClean="0">
-                <a:latin typeface="Helvetica"/>
-                <a:ea typeface="Apple LiGothic Medium"/>
-                <a:cs typeface="Helvetica"/>
-              </a:rPr>
-              <a:t>Select Nest Construct </a:t>
-            </a:r>
-          </a:p>
-          <a:p>
-            <a:r>
-              <a:rPr kumimoji="1" lang="en-US" altLang="zh-TW" sz="2000" b="1" dirty="0" smtClean="0">
-                <a:latin typeface="Helvetica"/>
-                <a:ea typeface="Apple LiGothic Medium"/>
-                <a:cs typeface="Helvetica"/>
-              </a:rPr>
-              <a:t>Flow Chart</a:t>
-            </a:r>
-          </a:p>
-          <a:p>
-            <a:r>
-              <a:rPr kumimoji="1" lang="en-US" altLang="zh-TW" sz="2000" b="1" dirty="0" smtClean="0">
-                <a:latin typeface="Helvetica"/>
-                <a:ea typeface="Apple LiGothic Medium"/>
-                <a:cs typeface="Helvetica"/>
-              </a:rPr>
-              <a:t>More debug info</a:t>
-            </a:r>
-          </a:p>
-          <a:p>
-            <a:pPr marL="0" indent="0">
-              <a:buNone/>
-            </a:pPr>
-            <a:endParaRPr kumimoji="1" lang="zh-TW" altLang="en-US" sz="2000" b="1" dirty="0">
-              <a:latin typeface="Helvetica"/>
-              <a:ea typeface="Apple LiGothic Medium"/>
-              <a:cs typeface="Helvetica"/>
-            </a:endParaRPr>
-          </a:p>
-        </p:txBody>
-      </p:sp>
+              <a:t>help: show all commands</a:t>
+            </a:r>
+          </a:p>
+        </p:txBody>
+      </p:sp>
+      <p:pic>
+        <p:nvPicPr>
+          <p:cNvPr id="3" name="圖片 2" descr="螢幕快照 2013-12-10 下午4.07.28.png"/>
+          <p:cNvPicPr>
+            <a:picLocks noChangeAspect="1"/>
+          </p:cNvPicPr>
+          <p:nvPr/>
+        </p:nvPicPr>
+        <p:blipFill>
+          <a:blip r:embed="rId3">
+            <a:extLst>
+              <a:ext uri="{28A0092B-C50C-407E-A947-70E740481C1C}">
+                <a14:useLocalDpi xmlns:a14="http://schemas.microsoft.com/office/drawing/2010/main" val="0"/>
+              </a:ext>
+            </a:extLst>
+          </a:blip>
+          <a:stretch>
+            <a:fillRect/>
+          </a:stretch>
+        </p:blipFill>
+        <p:spPr>
+          <a:xfrm>
+            <a:off x="2241062" y="2844800"/>
+            <a:ext cx="6794500" cy="2565400"/>
+          </a:xfrm>
+          <a:prstGeom prst="rect">
+            <a:avLst/>
+          </a:prstGeom>
+        </p:spPr>
+      </p:pic>
     </p:spTree>
     <p:extLst>
       <p:ext uri="{BB962C8B-B14F-4D97-AF65-F5344CB8AC3E}">
-        <p14:creationId xmlns:p14="http://schemas.microsoft.com/office/powerpoint/2010/main" val="3950073511"/>
+        <p14:creationId xmlns:p14="http://schemas.microsoft.com/office/powerpoint/2010/main" val="812976776"/>
+      </p:ext>
+    </p:extLst>
+  </p:cSld>
+  <p:clrMapOvr>
+    <a:masterClrMapping/>
+  </p:clrMapOvr>
+  <p:timing>
+    <p:tnLst>
+      <p:par>
+        <p:cTn xmlns:p14="http://schemas.microsoft.com/office/powerpoint/2010/main" id="1" dur="indefinite" restart="never" nodeType="tmRoot"/>
+      </p:par>
+    </p:tnLst>
+  </p:timing>
+</p:sld>
+</file>
+
+<file path=ppt/slides/slide7.xml><?xml version="1.0" encoding="utf-8"?>
+<p:sld xmlns:a="http://schemas.openxmlformats.org/drawingml/2006/main" xmlns:r="http://schemas.openxmlformats.org/officeDocument/2006/relationships" xmlns:p="http://schemas.openxmlformats.org/presentationml/2006/main">
+  <p:cSld>
+    <p:spTree>
+      <p:nvGrpSpPr>
+        <p:cNvPr id="1" name=""/>
+        <p:cNvGrpSpPr/>
+        <p:nvPr/>
+      </p:nvGrpSpPr>
+      <p:grpSpPr>
+        <a:xfrm>
+          <a:off x="0" y="0"/>
+          <a:ext cx="0" cy="0"/>
+          <a:chOff x="0" y="0"/>
+          <a:chExt cx="0" cy="0"/>
+        </a:xfrm>
+      </p:grpSpPr>
+      <p:pic>
+        <p:nvPicPr>
+          <p:cNvPr id="5" name="圖片 4"/>
+          <p:cNvPicPr>
+            <a:picLocks noChangeAspect="1"/>
+          </p:cNvPicPr>
+          <p:nvPr/>
+        </p:nvPicPr>
+        <p:blipFill>
+          <a:blip r:embed="rId2"/>
+          <a:stretch>
+            <a:fillRect/>
+          </a:stretch>
+        </p:blipFill>
+        <p:spPr>
+          <a:xfrm>
+            <a:off x="2241062" y="0"/>
+            <a:ext cx="6902938" cy="2331608"/>
+          </a:xfrm>
+          <a:prstGeom prst="rect">
+            <a:avLst/>
+          </a:prstGeom>
+        </p:spPr>
+      </p:pic>
+      <p:sp>
+        <p:nvSpPr>
+          <p:cNvPr id="2" name="內容版面配置區 1"/>
+          <p:cNvSpPr>
+            <a:spLocks noGrp="1"/>
+          </p:cNvSpPr>
+          <p:nvPr>
+            <p:ph idx="1"/>
+          </p:nvPr>
+        </p:nvSpPr>
+        <p:spPr>
+          <a:xfrm>
+            <a:off x="2619375" y="2020889"/>
+            <a:ext cx="6524625" cy="646112"/>
+          </a:xfrm>
+        </p:spPr>
+        <p:txBody>
+          <a:bodyPr>
+            <a:normAutofit/>
+          </a:bodyPr>
+          <a:lstStyle/>
+          <a:p>
+            <a:r>
+              <a:rPr kumimoji="1" lang="en-US" altLang="zh-TW" sz="2400" b="1" dirty="0" err="1" smtClean="0">
+                <a:latin typeface="Helvetica"/>
+                <a:cs typeface="Helvetica"/>
+              </a:rPr>
+              <a:t>hist</a:t>
+            </a:r>
+            <a:r>
+              <a:rPr kumimoji="1" lang="en-US" altLang="zh-TW" sz="2400" b="1" dirty="0" smtClean="0">
+                <a:latin typeface="Helvetica"/>
+                <a:cs typeface="Helvetica"/>
+              </a:rPr>
+              <a:t>: see the history</a:t>
+            </a:r>
+            <a:endParaRPr kumimoji="1" lang="en-US" altLang="zh-TW" sz="2400" b="1" dirty="0">
+              <a:latin typeface="Helvetica"/>
+              <a:cs typeface="Helvetica"/>
+            </a:endParaRPr>
+          </a:p>
+        </p:txBody>
+      </p:sp>
+      <p:pic>
+        <p:nvPicPr>
+          <p:cNvPr id="4" name="圖片 3" descr="螢幕快照 2013-12-10 下午4.08.45.png"/>
+          <p:cNvPicPr>
+            <a:picLocks noChangeAspect="1"/>
+          </p:cNvPicPr>
+          <p:nvPr/>
+        </p:nvPicPr>
+        <p:blipFill>
+          <a:blip r:embed="rId3">
+            <a:extLst>
+              <a:ext uri="{28A0092B-C50C-407E-A947-70E740481C1C}">
+                <a14:useLocalDpi xmlns:a14="http://schemas.microsoft.com/office/drawing/2010/main" val="0"/>
+              </a:ext>
+            </a:extLst>
+          </a:blip>
+          <a:stretch>
+            <a:fillRect/>
+          </a:stretch>
+        </p:blipFill>
+        <p:spPr>
+          <a:xfrm>
+            <a:off x="2768600" y="2667001"/>
+            <a:ext cx="3390900" cy="600750"/>
+          </a:xfrm>
+          <a:prstGeom prst="rect">
+            <a:avLst/>
+          </a:prstGeom>
+        </p:spPr>
+      </p:pic>
+      <p:sp>
+        <p:nvSpPr>
+          <p:cNvPr id="6" name="內容版面配置區 1"/>
+          <p:cNvSpPr txBox="1">
+            <a:spLocks/>
+          </p:cNvSpPr>
+          <p:nvPr/>
+        </p:nvSpPr>
+        <p:spPr>
+          <a:xfrm>
+            <a:off x="2619375" y="3586164"/>
+            <a:ext cx="6524625" cy="646112"/>
+          </a:xfrm>
+          <a:prstGeom prst="rect">
+            <a:avLst/>
+          </a:prstGeom>
+        </p:spPr>
+        <p:txBody>
+          <a:bodyPr vert="horz" lIns="91440" tIns="45720" rIns="91440" bIns="45720" rtlCol="0">
+            <a:normAutofit/>
+          </a:bodyPr>
+          <a:lstStyle>
+            <a:lvl1pPr marL="228600" indent="-228600" algn="l" defTabSz="914400" rtl="0" eaLnBrk="1" latinLnBrk="0" hangingPunct="1">
+              <a:spcBef>
+                <a:spcPts val="1800"/>
+              </a:spcBef>
+              <a:buClr>
+                <a:schemeClr val="accent1"/>
+              </a:buClr>
+              <a:buSzPct val="130000"/>
+              <a:buFont typeface="Wingdings" pitchFamily="2" charset="2"/>
+              <a:buChar char="§"/>
+              <a:defRPr sz="1800" kern="1200">
+                <a:solidFill>
+                  <a:schemeClr val="tx1">
+                    <a:lumMod val="75000"/>
+                    <a:lumOff val="25000"/>
+                  </a:schemeClr>
+                </a:solidFill>
+                <a:latin typeface="+mn-lt"/>
+                <a:ea typeface="+mn-ea"/>
+                <a:cs typeface="+mn-cs"/>
+              </a:defRPr>
+            </a:lvl1pPr>
+            <a:lvl2pPr marL="457200" indent="-228600" algn="l" defTabSz="914400" rtl="0" eaLnBrk="1" latinLnBrk="0" hangingPunct="1">
+              <a:spcBef>
+                <a:spcPts val="600"/>
+              </a:spcBef>
+              <a:buClr>
+                <a:schemeClr val="accent2"/>
+              </a:buClr>
+              <a:buSzPct val="130000"/>
+              <a:buFont typeface="Wingdings" pitchFamily="2" charset="2"/>
+              <a:buChar char="§"/>
+              <a:defRPr sz="1800" kern="1200">
+                <a:solidFill>
+                  <a:schemeClr val="tx1">
+                    <a:lumMod val="75000"/>
+                    <a:lumOff val="25000"/>
+                  </a:schemeClr>
+                </a:solidFill>
+                <a:latin typeface="+mn-lt"/>
+                <a:ea typeface="+mn-ea"/>
+                <a:cs typeface="+mn-cs"/>
+              </a:defRPr>
+            </a:lvl2pPr>
+            <a:lvl3pPr marL="685800" indent="-228600" algn="l" defTabSz="914400" rtl="0" eaLnBrk="1" latinLnBrk="0" hangingPunct="1">
+              <a:spcBef>
+                <a:spcPts val="600"/>
+              </a:spcBef>
+              <a:buClr>
+                <a:schemeClr val="accent1"/>
+              </a:buClr>
+              <a:buSzPct val="130000"/>
+              <a:buFont typeface="Wingdings" pitchFamily="2" charset="2"/>
+              <a:buChar char="§"/>
+              <a:defRPr sz="1800" kern="1200">
+                <a:solidFill>
+                  <a:schemeClr val="tx1">
+                    <a:lumMod val="75000"/>
+                    <a:lumOff val="25000"/>
+                  </a:schemeClr>
+                </a:solidFill>
+                <a:latin typeface="+mn-lt"/>
+                <a:ea typeface="+mn-ea"/>
+                <a:cs typeface="+mn-cs"/>
+              </a:defRPr>
+            </a:lvl3pPr>
+            <a:lvl4pPr marL="914400" indent="-228600" algn="l" defTabSz="914400" rtl="0" eaLnBrk="1" latinLnBrk="0" hangingPunct="1">
+              <a:spcBef>
+                <a:spcPts val="600"/>
+              </a:spcBef>
+              <a:buClr>
+                <a:schemeClr val="accent2"/>
+              </a:buClr>
+              <a:buSzPct val="130000"/>
+              <a:buFont typeface="Wingdings" pitchFamily="2" charset="2"/>
+              <a:buChar char="§"/>
+              <a:defRPr sz="1800" kern="1200">
+                <a:solidFill>
+                  <a:schemeClr val="tx1">
+                    <a:lumMod val="75000"/>
+                    <a:lumOff val="25000"/>
+                  </a:schemeClr>
+                </a:solidFill>
+                <a:latin typeface="+mn-lt"/>
+                <a:ea typeface="+mn-ea"/>
+                <a:cs typeface="+mn-cs"/>
+              </a:defRPr>
+            </a:lvl4pPr>
+            <a:lvl5pPr marL="1143000" indent="-228600" algn="l" defTabSz="914400" rtl="0" eaLnBrk="1" latinLnBrk="0" hangingPunct="1">
+              <a:spcBef>
+                <a:spcPts val="600"/>
+              </a:spcBef>
+              <a:buClr>
+                <a:schemeClr val="accent1"/>
+              </a:buClr>
+              <a:buSzPct val="130000"/>
+              <a:buFont typeface="Wingdings" pitchFamily="2" charset="2"/>
+              <a:buChar char="§"/>
+              <a:defRPr sz="1800" kern="1200">
+                <a:solidFill>
+                  <a:schemeClr val="tx1">
+                    <a:lumMod val="75000"/>
+                    <a:lumOff val="25000"/>
+                  </a:schemeClr>
+                </a:solidFill>
+                <a:latin typeface="+mn-lt"/>
+                <a:ea typeface="+mn-ea"/>
+                <a:cs typeface="+mn-cs"/>
+              </a:defRPr>
+            </a:lvl5pPr>
+            <a:lvl6pPr marL="1377950" indent="-228600" algn="l" defTabSz="914400" rtl="0" eaLnBrk="1" latinLnBrk="0" hangingPunct="1">
+              <a:spcBef>
+                <a:spcPct val="20000"/>
+              </a:spcBef>
+              <a:buClr>
+                <a:schemeClr val="accent2"/>
+              </a:buClr>
+              <a:buSzPct val="130000"/>
+              <a:buFont typeface="Wingdings" pitchFamily="2" charset="2"/>
+              <a:buChar char="§"/>
+              <a:defRPr lang="en-US" sz="1800" kern="1200" dirty="0" smtClean="0">
+                <a:solidFill>
+                  <a:schemeClr val="tx1">
+                    <a:lumMod val="75000"/>
+                    <a:lumOff val="25000"/>
+                  </a:schemeClr>
+                </a:solidFill>
+                <a:latin typeface="+mn-lt"/>
+                <a:ea typeface="+mn-ea"/>
+                <a:cs typeface="+mn-cs"/>
+              </a:defRPr>
+            </a:lvl6pPr>
+            <a:lvl7pPr marL="1603375" indent="-228600" algn="l" defTabSz="914400" rtl="0" eaLnBrk="1" latinLnBrk="0" hangingPunct="1">
+              <a:spcBef>
+                <a:spcPct val="20000"/>
+              </a:spcBef>
+              <a:buClr>
+                <a:schemeClr val="accent1"/>
+              </a:buClr>
+              <a:buSzPct val="130000"/>
+              <a:buFont typeface="Wingdings" pitchFamily="2" charset="2"/>
+              <a:buChar char="§"/>
+              <a:defRPr lang="en-US" sz="1800" kern="1200" dirty="0" smtClean="0">
+                <a:solidFill>
+                  <a:schemeClr val="tx1">
+                    <a:lumMod val="75000"/>
+                    <a:lumOff val="25000"/>
+                  </a:schemeClr>
+                </a:solidFill>
+                <a:latin typeface="+mn-lt"/>
+                <a:ea typeface="+mn-ea"/>
+                <a:cs typeface="+mn-cs"/>
+              </a:defRPr>
+            </a:lvl7pPr>
+            <a:lvl8pPr marL="1828800" indent="-227013" algn="l" defTabSz="914400" rtl="0" eaLnBrk="1" latinLnBrk="0" hangingPunct="1">
+              <a:spcBef>
+                <a:spcPct val="20000"/>
+              </a:spcBef>
+              <a:buClr>
+                <a:schemeClr val="accent2"/>
+              </a:buClr>
+              <a:buSzPct val="130000"/>
+              <a:buFont typeface="Wingdings" pitchFamily="2" charset="2"/>
+              <a:buChar char="§"/>
+              <a:defRPr lang="en-US" sz="1800" kern="1200" dirty="0" smtClean="0">
+                <a:solidFill>
+                  <a:schemeClr val="tx1">
+                    <a:lumMod val="75000"/>
+                    <a:lumOff val="25000"/>
+                  </a:schemeClr>
+                </a:solidFill>
+                <a:latin typeface="+mn-lt"/>
+                <a:ea typeface="+mn-ea"/>
+                <a:cs typeface="+mn-cs"/>
+              </a:defRPr>
+            </a:lvl8pPr>
+            <a:lvl9pPr marL="2055813" indent="-227013" algn="l" defTabSz="914400" rtl="0" eaLnBrk="1" latinLnBrk="0" hangingPunct="1">
+              <a:spcBef>
+                <a:spcPct val="20000"/>
+              </a:spcBef>
+              <a:buClr>
+                <a:schemeClr val="accent1"/>
+              </a:buClr>
+              <a:buSzPct val="130000"/>
+              <a:buFont typeface="Wingdings" pitchFamily="2" charset="2"/>
+              <a:buChar char="§"/>
+              <a:defRPr lang="en-US" sz="1800" kern="1200" dirty="0">
+                <a:solidFill>
+                  <a:schemeClr val="tx1">
+                    <a:lumMod val="75000"/>
+                    <a:lumOff val="25000"/>
+                  </a:schemeClr>
+                </a:solidFill>
+                <a:latin typeface="+mn-lt"/>
+                <a:ea typeface="+mn-ea"/>
+                <a:cs typeface="+mn-cs"/>
+              </a:defRPr>
+            </a:lvl9pPr>
+          </a:lstStyle>
+          <a:p>
+            <a:r>
+              <a:rPr kumimoji="1" lang="en-US" altLang="zh-TW" sz="2400" b="1" dirty="0">
+                <a:latin typeface="Helvetica"/>
+                <a:cs typeface="Helvetica"/>
+              </a:rPr>
+              <a:t>s</a:t>
+            </a:r>
+            <a:r>
+              <a:rPr kumimoji="1" lang="en-US" altLang="zh-TW" sz="2400" b="1" dirty="0" smtClean="0">
+                <a:latin typeface="Helvetica"/>
+                <a:cs typeface="Helvetica"/>
+              </a:rPr>
+              <a:t>how :show databases / </a:t>
+            </a:r>
+            <a:r>
+              <a:rPr kumimoji="1" lang="en-US" altLang="zh-TW" sz="2400" b="1" dirty="0" smtClean="0">
+                <a:latin typeface="Helvetica"/>
+                <a:cs typeface="Helvetica"/>
+              </a:rPr>
+              <a:t>tables / columns</a:t>
+            </a:r>
+            <a:endParaRPr kumimoji="1" lang="en-US" altLang="zh-TW" sz="2400" b="1" dirty="0">
+              <a:latin typeface="Helvetica"/>
+              <a:cs typeface="Helvetica"/>
+            </a:endParaRPr>
+          </a:p>
+        </p:txBody>
+      </p:sp>
+      <p:pic>
+        <p:nvPicPr>
+          <p:cNvPr id="7" name="圖片 6" descr="螢幕快照 2013-12-10 下午4.10.21.png"/>
+          <p:cNvPicPr>
+            <a:picLocks noChangeAspect="1"/>
+          </p:cNvPicPr>
+          <p:nvPr/>
+        </p:nvPicPr>
+        <p:blipFill>
+          <a:blip r:embed="rId4">
+            <a:extLst>
+              <a:ext uri="{28A0092B-C50C-407E-A947-70E740481C1C}">
+                <a14:useLocalDpi xmlns:a14="http://schemas.microsoft.com/office/drawing/2010/main" val="0"/>
+              </a:ext>
+            </a:extLst>
+          </a:blip>
+          <a:stretch>
+            <a:fillRect/>
+          </a:stretch>
+        </p:blipFill>
+        <p:spPr>
+          <a:xfrm>
+            <a:off x="2631017" y="4090076"/>
+            <a:ext cx="2536800" cy="1421723"/>
+          </a:xfrm>
+          <a:prstGeom prst="rect">
+            <a:avLst/>
+          </a:prstGeom>
+        </p:spPr>
+      </p:pic>
+      <p:pic>
+        <p:nvPicPr>
+          <p:cNvPr id="9" name="圖片 8" descr="螢幕快照 2013-12-10 下午4.11.22.png"/>
+          <p:cNvPicPr>
+            <a:picLocks noChangeAspect="1"/>
+          </p:cNvPicPr>
+          <p:nvPr/>
+        </p:nvPicPr>
+        <p:blipFill>
+          <a:blip r:embed="rId5">
+            <a:extLst>
+              <a:ext uri="{28A0092B-C50C-407E-A947-70E740481C1C}">
+                <a14:useLocalDpi xmlns:a14="http://schemas.microsoft.com/office/drawing/2010/main" val="0"/>
+              </a:ext>
+            </a:extLst>
+          </a:blip>
+          <a:stretch>
+            <a:fillRect/>
+          </a:stretch>
+        </p:blipFill>
+        <p:spPr>
+          <a:xfrm>
+            <a:off x="1571972" y="5716014"/>
+            <a:ext cx="3342928" cy="1040723"/>
+          </a:xfrm>
+          <a:prstGeom prst="rect">
+            <a:avLst/>
+          </a:prstGeom>
+        </p:spPr>
+      </p:pic>
+      <p:pic>
+        <p:nvPicPr>
+          <p:cNvPr id="3" name="圖片 2" descr="螢幕快照 2013-12-12 上午12.18.07.png"/>
+          <p:cNvPicPr>
+            <a:picLocks noChangeAspect="1"/>
+          </p:cNvPicPr>
+          <p:nvPr/>
+        </p:nvPicPr>
+        <p:blipFill>
+          <a:blip r:embed="rId6">
+            <a:extLst>
+              <a:ext uri="{28A0092B-C50C-407E-A947-70E740481C1C}">
+                <a14:useLocalDpi xmlns:a14="http://schemas.microsoft.com/office/drawing/2010/main" val="0"/>
+              </a:ext>
+            </a:extLst>
+          </a:blip>
+          <a:stretch>
+            <a:fillRect/>
+          </a:stretch>
+        </p:blipFill>
+        <p:spPr>
+          <a:xfrm>
+            <a:off x="5558367" y="4275623"/>
+            <a:ext cx="3263900" cy="2146300"/>
+          </a:xfrm>
+          <a:prstGeom prst="rect">
+            <a:avLst/>
+          </a:prstGeom>
+        </p:spPr>
+      </p:pic>
+    </p:spTree>
+    <p:extLst>
+      <p:ext uri="{BB962C8B-B14F-4D97-AF65-F5344CB8AC3E}">
+        <p14:creationId xmlns:p14="http://schemas.microsoft.com/office/powerpoint/2010/main" val="24989148"/>
+      </p:ext>
+    </p:extLst>
+  </p:cSld>
+  <p:clrMapOvr>
+    <a:masterClrMapping/>
+  </p:clrMapOvr>
+  <p:timing>
+    <p:tnLst>
+      <p:par>
+        <p:cTn xmlns:p14="http://schemas.microsoft.com/office/powerpoint/2010/main" id="1" dur="indefinite" restart="never" nodeType="tmRoot"/>
+      </p:par>
+    </p:tnLst>
+  </p:timing>
+</p:sld>
+</file>
+
+<file path=ppt/slides/slide8.xml><?xml version="1.0" encoding="utf-8"?>
+<p:sld xmlns:a="http://schemas.openxmlformats.org/drawingml/2006/main" xmlns:r="http://schemas.openxmlformats.org/officeDocument/2006/relationships" xmlns:p="http://schemas.openxmlformats.org/presentationml/2006/main">
+  <p:cSld>
+    <p:spTree>
+      <p:nvGrpSpPr>
+        <p:cNvPr id="1" name=""/>
+        <p:cNvGrpSpPr/>
+        <p:nvPr/>
+      </p:nvGrpSpPr>
+      <p:grpSpPr>
+        <a:xfrm>
+          <a:off x="0" y="0"/>
+          <a:ext cx="0" cy="0"/>
+          <a:chOff x="0" y="0"/>
+          <a:chExt cx="0" cy="0"/>
+        </a:xfrm>
+      </p:grpSpPr>
+      <p:pic>
+        <p:nvPicPr>
+          <p:cNvPr id="5" name="圖片 4"/>
+          <p:cNvPicPr>
+            <a:picLocks noChangeAspect="1"/>
+          </p:cNvPicPr>
+          <p:nvPr/>
+        </p:nvPicPr>
+        <p:blipFill>
+          <a:blip r:embed="rId2"/>
+          <a:stretch>
+            <a:fillRect/>
+          </a:stretch>
+        </p:blipFill>
+        <p:spPr>
+          <a:xfrm>
+            <a:off x="2241062" y="0"/>
+            <a:ext cx="6902938" cy="2331608"/>
+          </a:xfrm>
+          <a:prstGeom prst="rect">
+            <a:avLst/>
+          </a:prstGeom>
+        </p:spPr>
+      </p:pic>
+      <p:sp>
+        <p:nvSpPr>
+          <p:cNvPr id="2" name="內容版面配置區 1"/>
+          <p:cNvSpPr>
+            <a:spLocks noGrp="1"/>
+          </p:cNvSpPr>
+          <p:nvPr>
+            <p:ph idx="1"/>
+          </p:nvPr>
+        </p:nvSpPr>
+        <p:spPr>
+          <a:xfrm>
+            <a:off x="2619375" y="2020889"/>
+            <a:ext cx="6524625" cy="646112"/>
+          </a:xfrm>
+        </p:spPr>
+        <p:txBody>
+          <a:bodyPr>
+            <a:normAutofit/>
+          </a:bodyPr>
+          <a:lstStyle/>
+          <a:p>
+            <a:r>
+              <a:rPr kumimoji="1" lang="en-US" altLang="zh-TW" sz="2400" b="1" dirty="0" smtClean="0">
+                <a:latin typeface="Helvetica"/>
+                <a:cs typeface="Helvetica"/>
+              </a:rPr>
+              <a:t>register: sign up</a:t>
+            </a:r>
+            <a:endParaRPr kumimoji="1" lang="en-US" altLang="zh-TW" sz="2400" b="1" dirty="0">
+              <a:latin typeface="Helvetica"/>
+              <a:cs typeface="Helvetica"/>
+            </a:endParaRPr>
+          </a:p>
+        </p:txBody>
+      </p:sp>
+      <p:pic>
+        <p:nvPicPr>
+          <p:cNvPr id="3" name="圖片 2" descr="螢幕快照 2013-12-10 下午4.12.13.png"/>
+          <p:cNvPicPr>
+            <a:picLocks noChangeAspect="1"/>
+          </p:cNvPicPr>
+          <p:nvPr/>
+        </p:nvPicPr>
+        <p:blipFill>
+          <a:blip r:embed="rId3">
+            <a:extLst>
+              <a:ext uri="{28A0092B-C50C-407E-A947-70E740481C1C}">
+                <a14:useLocalDpi xmlns:a14="http://schemas.microsoft.com/office/drawing/2010/main" val="0"/>
+              </a:ext>
+            </a:extLst>
+          </a:blip>
+          <a:stretch>
+            <a:fillRect/>
+          </a:stretch>
+        </p:blipFill>
+        <p:spPr>
+          <a:xfrm>
+            <a:off x="3041649" y="2667000"/>
+            <a:ext cx="4683121" cy="1079499"/>
+          </a:xfrm>
+          <a:prstGeom prst="rect">
+            <a:avLst/>
+          </a:prstGeom>
+        </p:spPr>
+      </p:pic>
+      <p:sp>
+        <p:nvSpPr>
+          <p:cNvPr id="10" name="內容版面配置區 1"/>
+          <p:cNvSpPr txBox="1">
+            <a:spLocks/>
+          </p:cNvSpPr>
+          <p:nvPr/>
+        </p:nvSpPr>
+        <p:spPr>
+          <a:xfrm>
+            <a:off x="2771775" y="4300539"/>
+            <a:ext cx="6524625" cy="646112"/>
+          </a:xfrm>
+          <a:prstGeom prst="rect">
+            <a:avLst/>
+          </a:prstGeom>
+        </p:spPr>
+        <p:txBody>
+          <a:bodyPr vert="horz" lIns="91440" tIns="45720" rIns="91440" bIns="45720" rtlCol="0">
+            <a:normAutofit/>
+          </a:bodyPr>
+          <a:lstStyle>
+            <a:lvl1pPr marL="228600" indent="-228600" algn="l" defTabSz="914400" rtl="0" eaLnBrk="1" latinLnBrk="0" hangingPunct="1">
+              <a:spcBef>
+                <a:spcPts val="1800"/>
+              </a:spcBef>
+              <a:buClr>
+                <a:schemeClr val="accent1"/>
+              </a:buClr>
+              <a:buSzPct val="130000"/>
+              <a:buFont typeface="Wingdings" pitchFamily="2" charset="2"/>
+              <a:buChar char="§"/>
+              <a:defRPr sz="1800" kern="1200">
+                <a:solidFill>
+                  <a:schemeClr val="tx1">
+                    <a:lumMod val="75000"/>
+                    <a:lumOff val="25000"/>
+                  </a:schemeClr>
+                </a:solidFill>
+                <a:latin typeface="+mn-lt"/>
+                <a:ea typeface="+mn-ea"/>
+                <a:cs typeface="+mn-cs"/>
+              </a:defRPr>
+            </a:lvl1pPr>
+            <a:lvl2pPr marL="457200" indent="-228600" algn="l" defTabSz="914400" rtl="0" eaLnBrk="1" latinLnBrk="0" hangingPunct="1">
+              <a:spcBef>
+                <a:spcPts val="600"/>
+              </a:spcBef>
+              <a:buClr>
+                <a:schemeClr val="accent2"/>
+              </a:buClr>
+              <a:buSzPct val="130000"/>
+              <a:buFont typeface="Wingdings" pitchFamily="2" charset="2"/>
+              <a:buChar char="§"/>
+              <a:defRPr sz="1800" kern="1200">
+                <a:solidFill>
+                  <a:schemeClr val="tx1">
+                    <a:lumMod val="75000"/>
+                    <a:lumOff val="25000"/>
+                  </a:schemeClr>
+                </a:solidFill>
+                <a:latin typeface="+mn-lt"/>
+                <a:ea typeface="+mn-ea"/>
+                <a:cs typeface="+mn-cs"/>
+              </a:defRPr>
+            </a:lvl2pPr>
+            <a:lvl3pPr marL="685800" indent="-228600" algn="l" defTabSz="914400" rtl="0" eaLnBrk="1" latinLnBrk="0" hangingPunct="1">
+              <a:spcBef>
+                <a:spcPts val="600"/>
+              </a:spcBef>
+              <a:buClr>
+                <a:schemeClr val="accent1"/>
+              </a:buClr>
+              <a:buSzPct val="130000"/>
+              <a:buFont typeface="Wingdings" pitchFamily="2" charset="2"/>
+              <a:buChar char="§"/>
+              <a:defRPr sz="1800" kern="1200">
+                <a:solidFill>
+                  <a:schemeClr val="tx1">
+                    <a:lumMod val="75000"/>
+                    <a:lumOff val="25000"/>
+                  </a:schemeClr>
+                </a:solidFill>
+                <a:latin typeface="+mn-lt"/>
+                <a:ea typeface="+mn-ea"/>
+                <a:cs typeface="+mn-cs"/>
+              </a:defRPr>
+            </a:lvl3pPr>
+            <a:lvl4pPr marL="914400" indent="-228600" algn="l" defTabSz="914400" rtl="0" eaLnBrk="1" latinLnBrk="0" hangingPunct="1">
+              <a:spcBef>
+                <a:spcPts val="600"/>
+              </a:spcBef>
+              <a:buClr>
+                <a:schemeClr val="accent2"/>
+              </a:buClr>
+              <a:buSzPct val="130000"/>
+              <a:buFont typeface="Wingdings" pitchFamily="2" charset="2"/>
+              <a:buChar char="§"/>
+              <a:defRPr sz="1800" kern="1200">
+                <a:solidFill>
+                  <a:schemeClr val="tx1">
+                    <a:lumMod val="75000"/>
+                    <a:lumOff val="25000"/>
+                  </a:schemeClr>
+                </a:solidFill>
+                <a:latin typeface="+mn-lt"/>
+                <a:ea typeface="+mn-ea"/>
+                <a:cs typeface="+mn-cs"/>
+              </a:defRPr>
+            </a:lvl4pPr>
+            <a:lvl5pPr marL="1143000" indent="-228600" algn="l" defTabSz="914400" rtl="0" eaLnBrk="1" latinLnBrk="0" hangingPunct="1">
+              <a:spcBef>
+                <a:spcPts val="600"/>
+              </a:spcBef>
+              <a:buClr>
+                <a:schemeClr val="accent1"/>
+              </a:buClr>
+              <a:buSzPct val="130000"/>
+              <a:buFont typeface="Wingdings" pitchFamily="2" charset="2"/>
+              <a:buChar char="§"/>
+              <a:defRPr sz="1800" kern="1200">
+                <a:solidFill>
+                  <a:schemeClr val="tx1">
+                    <a:lumMod val="75000"/>
+                    <a:lumOff val="25000"/>
+                  </a:schemeClr>
+                </a:solidFill>
+                <a:latin typeface="+mn-lt"/>
+                <a:ea typeface="+mn-ea"/>
+                <a:cs typeface="+mn-cs"/>
+              </a:defRPr>
+            </a:lvl5pPr>
+            <a:lvl6pPr marL="1377950" indent="-228600" algn="l" defTabSz="914400" rtl="0" eaLnBrk="1" latinLnBrk="0" hangingPunct="1">
+              <a:spcBef>
+                <a:spcPct val="20000"/>
+              </a:spcBef>
+              <a:buClr>
+                <a:schemeClr val="accent2"/>
+              </a:buClr>
+              <a:buSzPct val="130000"/>
+              <a:buFont typeface="Wingdings" pitchFamily="2" charset="2"/>
+              <a:buChar char="§"/>
+              <a:defRPr lang="en-US" sz="1800" kern="1200" dirty="0" smtClean="0">
+                <a:solidFill>
+                  <a:schemeClr val="tx1">
+                    <a:lumMod val="75000"/>
+                    <a:lumOff val="25000"/>
+                  </a:schemeClr>
+                </a:solidFill>
+                <a:latin typeface="+mn-lt"/>
+                <a:ea typeface="+mn-ea"/>
+                <a:cs typeface="+mn-cs"/>
+              </a:defRPr>
+            </a:lvl6pPr>
+            <a:lvl7pPr marL="1603375" indent="-228600" algn="l" defTabSz="914400" rtl="0" eaLnBrk="1" latinLnBrk="0" hangingPunct="1">
+              <a:spcBef>
+                <a:spcPct val="20000"/>
+              </a:spcBef>
+              <a:buClr>
+                <a:schemeClr val="accent1"/>
+              </a:buClr>
+              <a:buSzPct val="130000"/>
+              <a:buFont typeface="Wingdings" pitchFamily="2" charset="2"/>
+              <a:buChar char="§"/>
+              <a:defRPr lang="en-US" sz="1800" kern="1200" dirty="0" smtClean="0">
+                <a:solidFill>
+                  <a:schemeClr val="tx1">
+                    <a:lumMod val="75000"/>
+                    <a:lumOff val="25000"/>
+                  </a:schemeClr>
+                </a:solidFill>
+                <a:latin typeface="+mn-lt"/>
+                <a:ea typeface="+mn-ea"/>
+                <a:cs typeface="+mn-cs"/>
+              </a:defRPr>
+            </a:lvl7pPr>
+            <a:lvl8pPr marL="1828800" indent="-227013" algn="l" defTabSz="914400" rtl="0" eaLnBrk="1" latinLnBrk="0" hangingPunct="1">
+              <a:spcBef>
+                <a:spcPct val="20000"/>
+              </a:spcBef>
+              <a:buClr>
+                <a:schemeClr val="accent2"/>
+              </a:buClr>
+              <a:buSzPct val="130000"/>
+              <a:buFont typeface="Wingdings" pitchFamily="2" charset="2"/>
+              <a:buChar char="§"/>
+              <a:defRPr lang="en-US" sz="1800" kern="1200" dirty="0" smtClean="0">
+                <a:solidFill>
+                  <a:schemeClr val="tx1">
+                    <a:lumMod val="75000"/>
+                    <a:lumOff val="25000"/>
+                  </a:schemeClr>
+                </a:solidFill>
+                <a:latin typeface="+mn-lt"/>
+                <a:ea typeface="+mn-ea"/>
+                <a:cs typeface="+mn-cs"/>
+              </a:defRPr>
+            </a:lvl8pPr>
+            <a:lvl9pPr marL="2055813" indent="-227013" algn="l" defTabSz="914400" rtl="0" eaLnBrk="1" latinLnBrk="0" hangingPunct="1">
+              <a:spcBef>
+                <a:spcPct val="20000"/>
+              </a:spcBef>
+              <a:buClr>
+                <a:schemeClr val="accent1"/>
+              </a:buClr>
+              <a:buSzPct val="130000"/>
+              <a:buFont typeface="Wingdings" pitchFamily="2" charset="2"/>
+              <a:buChar char="§"/>
+              <a:defRPr lang="en-US" sz="1800" kern="1200" dirty="0">
+                <a:solidFill>
+                  <a:schemeClr val="tx1">
+                    <a:lumMod val="75000"/>
+                    <a:lumOff val="25000"/>
+                  </a:schemeClr>
+                </a:solidFill>
+                <a:latin typeface="+mn-lt"/>
+                <a:ea typeface="+mn-ea"/>
+                <a:cs typeface="+mn-cs"/>
+              </a:defRPr>
+            </a:lvl9pPr>
+          </a:lstStyle>
+          <a:p>
+            <a:r>
+              <a:rPr kumimoji="1" lang="en-US" altLang="zh-TW" sz="2400" b="1" dirty="0" smtClean="0">
+                <a:latin typeface="Helvetica"/>
+                <a:cs typeface="Helvetica"/>
+              </a:rPr>
+              <a:t>Other Command: ‘Unknown syntax’</a:t>
+            </a:r>
+            <a:endParaRPr kumimoji="1" lang="en-US" altLang="zh-TW" sz="2400" b="1" dirty="0">
+              <a:latin typeface="Helvetica"/>
+              <a:cs typeface="Helvetica"/>
+            </a:endParaRPr>
+          </a:p>
+        </p:txBody>
+      </p:sp>
+      <p:pic>
+        <p:nvPicPr>
+          <p:cNvPr id="8" name="圖片 7" descr="螢幕快照 2013-12-10 下午4.13.51.png"/>
+          <p:cNvPicPr>
+            <a:picLocks noChangeAspect="1"/>
+          </p:cNvPicPr>
+          <p:nvPr/>
+        </p:nvPicPr>
+        <p:blipFill>
+          <a:blip r:embed="rId4">
+            <a:extLst>
+              <a:ext uri="{28A0092B-C50C-407E-A947-70E740481C1C}">
+                <a14:useLocalDpi xmlns:a14="http://schemas.microsoft.com/office/drawing/2010/main" val="0"/>
+              </a:ext>
+            </a:extLst>
+          </a:blip>
+          <a:stretch>
+            <a:fillRect/>
+          </a:stretch>
+        </p:blipFill>
+        <p:spPr>
+          <a:xfrm>
+            <a:off x="3127374" y="4857751"/>
+            <a:ext cx="3937001" cy="693662"/>
+          </a:xfrm>
+          <a:prstGeom prst="rect">
+            <a:avLst/>
+          </a:prstGeom>
+        </p:spPr>
+      </p:pic>
+    </p:spTree>
+    <p:extLst>
+      <p:ext uri="{BB962C8B-B14F-4D97-AF65-F5344CB8AC3E}">
+        <p14:creationId xmlns:p14="http://schemas.microsoft.com/office/powerpoint/2010/main" val="780268158"/>
+      </p:ext>
+    </p:extLst>
+  </p:cSld>
+  <p:clrMapOvr>
+    <a:masterClrMapping/>
+  </p:clrMapOvr>
+  <p:timing>
+    <p:tnLst>
+      <p:par>
+        <p:cTn xmlns:p14="http://schemas.microsoft.com/office/powerpoint/2010/main" id="1" dur="indefinite" restart="never" nodeType="tmRoot"/>
+      </p:par>
+    </p:tnLst>
+  </p:timing>
+</p:sld>
+</file>
+
+<file path=ppt/slides/slide9.xml><?xml version="1.0" encoding="utf-8"?>
+<p:sld xmlns:a="http://schemas.openxmlformats.org/drawingml/2006/main" xmlns:r="http://schemas.openxmlformats.org/officeDocument/2006/relationships" xmlns:p="http://schemas.openxmlformats.org/presentationml/2006/main">
+  <p:cSld>
+    <p:spTree>
+      <p:nvGrpSpPr>
+        <p:cNvPr id="1" name=""/>
+        <p:cNvGrpSpPr/>
+        <p:nvPr/>
+      </p:nvGrpSpPr>
+      <p:grpSpPr>
+        <a:xfrm>
+          <a:off x="0" y="0"/>
+          <a:ext cx="0" cy="0"/>
+          <a:chOff x="0" y="0"/>
+          <a:chExt cx="0" cy="0"/>
+        </a:xfrm>
+      </p:grpSpPr>
+      <p:pic>
+        <p:nvPicPr>
+          <p:cNvPr id="5" name="圖片 4"/>
+          <p:cNvPicPr>
+            <a:picLocks noChangeAspect="1"/>
+          </p:cNvPicPr>
+          <p:nvPr/>
+        </p:nvPicPr>
+        <p:blipFill>
+          <a:blip r:embed="rId2"/>
+          <a:stretch>
+            <a:fillRect/>
+          </a:stretch>
+        </p:blipFill>
+        <p:spPr>
+          <a:xfrm>
+            <a:off x="2241062" y="0"/>
+            <a:ext cx="6902938" cy="2331608"/>
+          </a:xfrm>
+          <a:prstGeom prst="rect">
+            <a:avLst/>
+          </a:prstGeom>
+        </p:spPr>
+      </p:pic>
+      <p:sp>
+        <p:nvSpPr>
+          <p:cNvPr id="2" name="內容版面配置區 1"/>
+          <p:cNvSpPr>
+            <a:spLocks noGrp="1"/>
+          </p:cNvSpPr>
+          <p:nvPr>
+            <p:ph idx="1"/>
+          </p:nvPr>
+        </p:nvSpPr>
+        <p:spPr>
+          <a:xfrm>
+            <a:off x="1792847" y="2020888"/>
+            <a:ext cx="7544909" cy="4514987"/>
+          </a:xfrm>
+        </p:spPr>
+        <p:txBody>
+          <a:bodyPr>
+            <a:normAutofit fontScale="85000" lnSpcReduction="20000"/>
+          </a:bodyPr>
+          <a:lstStyle/>
+          <a:p>
+            <a:r>
+              <a:rPr kumimoji="1" lang="en-US" altLang="zh-TW" sz="2400" b="1" dirty="0">
+                <a:latin typeface="Helvetica"/>
+                <a:cs typeface="Helvetica"/>
+              </a:rPr>
+              <a:t>l</a:t>
+            </a:r>
+            <a:r>
+              <a:rPr kumimoji="1" lang="en-US" altLang="zh-TW" sz="2400" b="1" dirty="0" smtClean="0">
+                <a:latin typeface="Helvetica"/>
+                <a:cs typeface="Helvetica"/>
+              </a:rPr>
+              <a:t>ogin &amp; logout</a:t>
+            </a:r>
+          </a:p>
+          <a:p>
+            <a:r>
+              <a:rPr kumimoji="1" lang="en-US" altLang="zh-TW" sz="2400" b="1" dirty="0" smtClean="0">
+                <a:latin typeface="Helvetica"/>
+                <a:cs typeface="Helvetica"/>
+              </a:rPr>
+              <a:t>define</a:t>
+            </a:r>
+            <a:endParaRPr kumimoji="1" lang="en-US" altLang="zh-TW" sz="2400" b="1" dirty="0" smtClean="0">
+              <a:latin typeface="Helvetica"/>
+              <a:cs typeface="Helvetica"/>
+            </a:endParaRPr>
+          </a:p>
+          <a:p>
+            <a:r>
+              <a:rPr kumimoji="1" lang="en-US" altLang="zh-TW" sz="2400" b="1" dirty="0" smtClean="0">
+                <a:latin typeface="Helvetica"/>
+                <a:cs typeface="Helvetica"/>
+              </a:rPr>
+              <a:t>set: must finish define first</a:t>
+            </a:r>
+          </a:p>
+          <a:p>
+            <a:r>
+              <a:rPr kumimoji="1" lang="en-US" altLang="zh-TW" sz="2400" b="1" dirty="0" smtClean="0">
+                <a:latin typeface="Helvetica"/>
+                <a:cs typeface="Helvetica"/>
+              </a:rPr>
+              <a:t>create: table or DB</a:t>
+            </a:r>
+          </a:p>
+          <a:p>
+            <a:r>
+              <a:rPr kumimoji="1" lang="en-US" altLang="zh-TW" sz="2400" b="1" dirty="0">
+                <a:latin typeface="Helvetica"/>
+                <a:cs typeface="Helvetica"/>
+              </a:rPr>
+              <a:t>i</a:t>
+            </a:r>
+            <a:r>
+              <a:rPr kumimoji="1" lang="en-US" altLang="zh-TW" sz="2400" b="1" dirty="0" smtClean="0">
+                <a:latin typeface="Helvetica"/>
+                <a:cs typeface="Helvetica"/>
+              </a:rPr>
+              <a:t>nsert</a:t>
+            </a:r>
+          </a:p>
+          <a:p>
+            <a:r>
+              <a:rPr kumimoji="1" lang="en-US" altLang="zh-TW" sz="2400" b="1" dirty="0" smtClean="0">
+                <a:latin typeface="Helvetica"/>
+                <a:cs typeface="Helvetica"/>
+              </a:rPr>
+              <a:t>select: multiple column, spaces, * , &gt;= &amp; &lt;=  are        	   	   supported =&gt; need picture</a:t>
+            </a:r>
+          </a:p>
+          <a:p>
+            <a:r>
+              <a:rPr kumimoji="1" lang="en-US" altLang="zh-TW" sz="2400" b="1" dirty="0" smtClean="0">
+                <a:latin typeface="Helvetica"/>
+                <a:cs typeface="Helvetica"/>
+              </a:rPr>
+              <a:t>delete</a:t>
+            </a:r>
+          </a:p>
+          <a:p>
+            <a:r>
+              <a:rPr kumimoji="1" lang="en-US" altLang="zh-TW" sz="2400" b="1" dirty="0" smtClean="0">
+                <a:latin typeface="Helvetica"/>
+                <a:cs typeface="Helvetica"/>
+              </a:rPr>
+              <a:t>update</a:t>
+            </a:r>
+          </a:p>
+          <a:p>
+            <a:r>
+              <a:rPr kumimoji="1" lang="en-US" altLang="zh-TW" sz="2400" b="1" dirty="0" smtClean="0">
+                <a:latin typeface="Helvetica"/>
+                <a:cs typeface="Helvetica"/>
+              </a:rPr>
+              <a:t>Upper and Lower case are all supported =&gt; need picture</a:t>
+            </a:r>
+          </a:p>
+          <a:p>
+            <a:endParaRPr kumimoji="1" lang="en-US" altLang="zh-TW" sz="2400" b="1" dirty="0" smtClean="0">
+              <a:latin typeface="Helvetica"/>
+              <a:cs typeface="Helvetica"/>
+            </a:endParaRPr>
+          </a:p>
+          <a:p>
+            <a:endParaRPr kumimoji="1" lang="zh-TW" altLang="en-US" dirty="0"/>
+          </a:p>
+        </p:txBody>
+      </p:sp>
+    </p:spTree>
+    <p:extLst>
+      <p:ext uri="{BB962C8B-B14F-4D97-AF65-F5344CB8AC3E}">
+        <p14:creationId xmlns:p14="http://schemas.microsoft.com/office/powerpoint/2010/main" val="3528864367"/>
       </p:ext>
     </p:extLst>
   </p:cSld>
